--- a/Slides/หน่วยที่ 5 Types.pptx
+++ b/Slides/หน่วยที่ 5 Types.pptx
@@ -5,7 +5,7 @@
     <p:sldMasterId id="2147483648" r:id="rId4"/>
   </p:sldMasterIdLst>
   <p:notesMasterIdLst>
-    <p:notesMasterId r:id="rId28"/>
+    <p:notesMasterId r:id="rId29"/>
   </p:notesMasterIdLst>
   <p:sldIdLst>
     <p:sldId id="256" r:id="rId5"/>
@@ -17,20 +17,21 @@
     <p:sldId id="404" r:id="rId11"/>
     <p:sldId id="405" r:id="rId12"/>
     <p:sldId id="406" r:id="rId13"/>
-    <p:sldId id="407" r:id="rId14"/>
-    <p:sldId id="408" r:id="rId15"/>
-    <p:sldId id="409" r:id="rId16"/>
-    <p:sldId id="410" r:id="rId17"/>
-    <p:sldId id="411" r:id="rId18"/>
-    <p:sldId id="412" r:id="rId19"/>
-    <p:sldId id="413" r:id="rId20"/>
-    <p:sldId id="414" r:id="rId21"/>
-    <p:sldId id="416" r:id="rId22"/>
-    <p:sldId id="415" r:id="rId23"/>
-    <p:sldId id="417" r:id="rId24"/>
-    <p:sldId id="418" r:id="rId25"/>
-    <p:sldId id="419" r:id="rId26"/>
-    <p:sldId id="421" r:id="rId27"/>
+    <p:sldId id="381" r:id="rId14"/>
+    <p:sldId id="407" r:id="rId15"/>
+    <p:sldId id="408" r:id="rId16"/>
+    <p:sldId id="409" r:id="rId17"/>
+    <p:sldId id="410" r:id="rId18"/>
+    <p:sldId id="411" r:id="rId19"/>
+    <p:sldId id="412" r:id="rId20"/>
+    <p:sldId id="413" r:id="rId21"/>
+    <p:sldId id="414" r:id="rId22"/>
+    <p:sldId id="416" r:id="rId23"/>
+    <p:sldId id="415" r:id="rId24"/>
+    <p:sldId id="417" r:id="rId25"/>
+    <p:sldId id="418" r:id="rId26"/>
+    <p:sldId id="419" r:id="rId27"/>
+    <p:sldId id="421" r:id="rId28"/>
   </p:sldIdLst>
   <p:sldSz cx="12192000" cy="6858000"/>
   <p:notesSz cx="6858000" cy="9144000"/>
@@ -2276,7 +2277,7 @@
           <a:p>
             <a:fld id="{9CF7A3B6-6648-4822-9BDF-69B6095EBC8C}" type="datetimeFigureOut">
               <a:rPr lang="en-US" smtClean="0"/>
-              <a:t>2/2/2023</a:t>
+              <a:t>2/6/2023</a:t>
             </a:fld>
             <a:endParaRPr lang="en-US"/>
           </a:p>
@@ -2690,7 +2691,7 @@
           <a:p>
             <a:fld id="{9C51F170-F2DA-4B22-BDF1-4FBD448A0EB5}" type="datetime1">
               <a:rPr lang="en-US" smtClean="0"/>
-              <a:t>2/2/2023</a:t>
+              <a:t>2/6/2023</a:t>
             </a:fld>
             <a:endParaRPr lang="en-US"/>
           </a:p>
@@ -2888,7 +2889,7 @@
           <a:p>
             <a:fld id="{E0C605DF-3D72-4B0E-BF29-420284BA3DF6}" type="datetime1">
               <a:rPr lang="en-US" smtClean="0"/>
-              <a:t>2/2/2023</a:t>
+              <a:t>2/6/2023</a:t>
             </a:fld>
             <a:endParaRPr lang="en-US"/>
           </a:p>
@@ -3096,7 +3097,7 @@
           <a:p>
             <a:fld id="{F069DEA4-7023-4974-A51B-22AF6AEBE3DE}" type="datetime1">
               <a:rPr lang="en-US" smtClean="0"/>
-              <a:t>2/2/2023</a:t>
+              <a:t>2/6/2023</a:t>
             </a:fld>
             <a:endParaRPr lang="en-US"/>
           </a:p>
@@ -3294,7 +3295,7 @@
           <a:p>
             <a:fld id="{8E310E6B-8E86-42BE-9995-91541EE0382B}" type="datetime1">
               <a:rPr lang="en-US" smtClean="0"/>
-              <a:t>2/2/2023</a:t>
+              <a:t>2/6/2023</a:t>
             </a:fld>
             <a:endParaRPr lang="en-US"/>
           </a:p>
@@ -3569,7 +3570,7 @@
           <a:p>
             <a:fld id="{79A9A2C4-6FFC-49C8-A5F2-26C59302090C}" type="datetime1">
               <a:rPr lang="en-US" smtClean="0"/>
-              <a:t>2/2/2023</a:t>
+              <a:t>2/6/2023</a:t>
             </a:fld>
             <a:endParaRPr lang="en-US"/>
           </a:p>
@@ -3834,7 +3835,7 @@
           <a:p>
             <a:fld id="{C6BECF22-E571-42AE-9903-1960052A5051}" type="datetime1">
               <a:rPr lang="en-US" smtClean="0"/>
-              <a:t>2/2/2023</a:t>
+              <a:t>2/6/2023</a:t>
             </a:fld>
             <a:endParaRPr lang="en-US"/>
           </a:p>
@@ -4246,7 +4247,7 @@
           <a:p>
             <a:fld id="{85A2038A-D404-4688-8B83-0AF5FA0BBFE6}" type="datetime1">
               <a:rPr lang="en-US" smtClean="0"/>
-              <a:t>2/2/2023</a:t>
+              <a:t>2/6/2023</a:t>
             </a:fld>
             <a:endParaRPr lang="en-US"/>
           </a:p>
@@ -4387,7 +4388,7 @@
           <a:p>
             <a:fld id="{A91B859B-2DE2-4C0C-B29D-F2597A0B4AA0}" type="datetime1">
               <a:rPr lang="en-US" smtClean="0"/>
-              <a:t>2/2/2023</a:t>
+              <a:t>2/6/2023</a:t>
             </a:fld>
             <a:endParaRPr lang="en-US"/>
           </a:p>
@@ -4500,7 +4501,7 @@
           <a:p>
             <a:fld id="{87BBA38A-1268-4BEE-8C8F-821B2278BFCA}" type="datetime1">
               <a:rPr lang="en-US" smtClean="0"/>
-              <a:t>2/2/2023</a:t>
+              <a:t>2/6/2023</a:t>
             </a:fld>
             <a:endParaRPr lang="en-US"/>
           </a:p>
@@ -4811,7 +4812,7 @@
           <a:p>
             <a:fld id="{3141283C-6E84-4995-AB3D-BFF3DE5B6DA8}" type="datetime1">
               <a:rPr lang="en-US" smtClean="0"/>
-              <a:t>2/2/2023</a:t>
+              <a:t>2/6/2023</a:t>
             </a:fld>
             <a:endParaRPr lang="en-US"/>
           </a:p>
@@ -5099,7 +5100,7 @@
           <a:p>
             <a:fld id="{C04D516B-CA18-4D3B-B396-B41E0A9F5CD9}" type="datetime1">
               <a:rPr lang="en-US" smtClean="0"/>
-              <a:t>2/2/2023</a:t>
+              <a:t>2/6/2023</a:t>
             </a:fld>
             <a:endParaRPr lang="en-US"/>
           </a:p>
@@ -5348,7 +5349,7 @@
           <a:p>
             <a:fld id="{0D5D762F-A307-4386-9F31-7529B9CDF39B}" type="datetime1">
               <a:rPr lang="en-US" smtClean="0"/>
-              <a:t>2/2/2023</a:t>
+              <a:t>2/6/2023</a:t>
             </a:fld>
             <a:endParaRPr lang="en-US"/>
           </a:p>
@@ -5953,6 +5954,480 @@
       </p:grpSpPr>
       <p:sp>
         <p:nvSpPr>
+          <p:cNvPr id="2" name="Title 1">
+            <a:extLst>
+              <a:ext uri="{FF2B5EF4-FFF2-40B4-BE49-F238E27FC236}">
+                <a16:creationId xmlns:a16="http://schemas.microsoft.com/office/drawing/2014/main" id="{36D3AF5D-23C2-4610-85E4-59831A85829A}"/>
+              </a:ext>
+            </a:extLst>
+          </p:cNvPr>
+          <p:cNvSpPr>
+            <a:spLocks noGrp="1"/>
+          </p:cNvSpPr>
+          <p:nvPr>
+            <p:ph type="title"/>
+          </p:nvPr>
+        </p:nvSpPr>
+        <p:spPr/>
+        <p:txBody>
+          <a:bodyPr>
+            <a:normAutofit/>
+          </a:bodyPr>
+          <a:lstStyle/>
+          <a:p>
+            <a:pPr>
+              <a:defRPr/>
+            </a:pPr>
+            <a:r>
+              <a:rPr lang="en-US" sz="6000" b="1" dirty="0">
+                <a:solidFill>
+                  <a:srgbClr val="0070C0"/>
+                </a:solidFill>
+                <a:effectLst>
+                  <a:outerShdw blurRad="38100" dist="38100" dir="2700000" algn="tl">
+                    <a:srgbClr val="000000">
+                      <a:alpha val="43137"/>
+                    </a:srgbClr>
+                  </a:outerShdw>
+                </a:effectLst>
+                <a:latin typeface="TH Sarabun New" panose="020B0500040200020003" pitchFamily="34" charset="-34"/>
+                <a:cs typeface="TH Sarabun New" panose="020B0500040200020003" pitchFamily="34" charset="-34"/>
+              </a:rPr>
+              <a:t>Common Type System (CTS)</a:t>
+            </a:r>
+          </a:p>
+        </p:txBody>
+      </p:sp>
+      <p:sp>
+        <p:nvSpPr>
+          <p:cNvPr id="4" name="Slide Number Placeholder 3">
+            <a:extLst>
+              <a:ext uri="{FF2B5EF4-FFF2-40B4-BE49-F238E27FC236}">
+                <a16:creationId xmlns:a16="http://schemas.microsoft.com/office/drawing/2014/main" id="{B3269665-1124-45D6-AB97-BFA24D10081F}"/>
+              </a:ext>
+            </a:extLst>
+          </p:cNvPr>
+          <p:cNvSpPr>
+            <a:spLocks noGrp="1"/>
+          </p:cNvSpPr>
+          <p:nvPr>
+            <p:ph type="sldNum" sz="quarter" idx="12"/>
+          </p:nvPr>
+        </p:nvSpPr>
+        <p:spPr/>
+        <p:txBody>
+          <a:bodyPr/>
+          <a:lstStyle/>
+          <a:p>
+            <a:fld id="{DF9928CE-EC0A-4BEB-8E1D-C268DC6BF1D3}" type="slidenum">
+              <a:rPr lang="en-US" smtClean="0"/>
+              <a:t>10</a:t>
+            </a:fld>
+            <a:endParaRPr lang="en-US"/>
+          </a:p>
+        </p:txBody>
+      </p:sp>
+      <p:sp>
+        <p:nvSpPr>
+          <p:cNvPr id="3" name="Oval 2">
+            <a:extLst>
+              <a:ext uri="{FF2B5EF4-FFF2-40B4-BE49-F238E27FC236}">
+                <a16:creationId xmlns:a16="http://schemas.microsoft.com/office/drawing/2014/main" id="{61B03ECE-C2B2-4A6F-A07F-CD6142E41A1E}"/>
+              </a:ext>
+            </a:extLst>
+          </p:cNvPr>
+          <p:cNvSpPr/>
+          <p:nvPr/>
+        </p:nvSpPr>
+        <p:spPr>
+          <a:xfrm>
+            <a:off x="312937" y="2049588"/>
+            <a:ext cx="1908628" cy="932543"/>
+          </a:xfrm>
+          <a:prstGeom prst="ellipse">
+            <a:avLst/>
+          </a:prstGeom>
+          <a:gradFill flip="none" rotWithShape="1">
+            <a:gsLst>
+              <a:gs pos="0">
+                <a:schemeClr val="accent5">
+                  <a:lumMod val="5000"/>
+                  <a:lumOff val="95000"/>
+                </a:schemeClr>
+              </a:gs>
+              <a:gs pos="74000">
+                <a:schemeClr val="accent5">
+                  <a:lumMod val="45000"/>
+                  <a:lumOff val="55000"/>
+                </a:schemeClr>
+              </a:gs>
+              <a:gs pos="83000">
+                <a:schemeClr val="accent5">
+                  <a:lumMod val="45000"/>
+                  <a:lumOff val="55000"/>
+                </a:schemeClr>
+              </a:gs>
+              <a:gs pos="100000">
+                <a:schemeClr val="accent5">
+                  <a:lumMod val="30000"/>
+                  <a:lumOff val="70000"/>
+                </a:schemeClr>
+              </a:gs>
+            </a:gsLst>
+            <a:lin ang="5400000" scaled="1"/>
+            <a:tileRect/>
+          </a:gradFill>
+        </p:spPr>
+        <p:style>
+          <a:lnRef idx="2">
+            <a:schemeClr val="accent1">
+              <a:shade val="50000"/>
+            </a:schemeClr>
+          </a:lnRef>
+          <a:fillRef idx="1">
+            <a:schemeClr val="accent1"/>
+          </a:fillRef>
+          <a:effectRef idx="0">
+            <a:schemeClr val="accent1"/>
+          </a:effectRef>
+          <a:fontRef idx="minor">
+            <a:schemeClr val="lt1"/>
+          </a:fontRef>
+        </p:style>
+        <p:txBody>
+          <a:bodyPr rtlCol="0" anchor="ctr"/>
+          <a:lstStyle/>
+          <a:p>
+            <a:pPr algn="ctr"/>
+            <a:r>
+              <a:rPr lang="en-US" sz="2800" dirty="0">
+                <a:solidFill>
+                  <a:srgbClr val="C00000"/>
+                </a:solidFill>
+              </a:rPr>
+              <a:t>C#</a:t>
+            </a:r>
+          </a:p>
+        </p:txBody>
+      </p:sp>
+      <p:sp>
+        <p:nvSpPr>
+          <p:cNvPr id="31" name="Oval 30">
+            <a:extLst>
+              <a:ext uri="{FF2B5EF4-FFF2-40B4-BE49-F238E27FC236}">
+                <a16:creationId xmlns:a16="http://schemas.microsoft.com/office/drawing/2014/main" id="{E8039287-749D-43CA-B911-09B7A69926F3}"/>
+              </a:ext>
+            </a:extLst>
+          </p:cNvPr>
+          <p:cNvSpPr/>
+          <p:nvPr/>
+        </p:nvSpPr>
+        <p:spPr>
+          <a:xfrm>
+            <a:off x="3438952" y="2049589"/>
+            <a:ext cx="1908628" cy="932543"/>
+          </a:xfrm>
+          <a:prstGeom prst="ellipse">
+            <a:avLst/>
+          </a:prstGeom>
+          <a:gradFill flip="none" rotWithShape="1">
+            <a:gsLst>
+              <a:gs pos="0">
+                <a:schemeClr val="accent5">
+                  <a:lumMod val="5000"/>
+                  <a:lumOff val="95000"/>
+                </a:schemeClr>
+              </a:gs>
+              <a:gs pos="74000">
+                <a:schemeClr val="accent5">
+                  <a:lumMod val="45000"/>
+                  <a:lumOff val="55000"/>
+                </a:schemeClr>
+              </a:gs>
+              <a:gs pos="83000">
+                <a:schemeClr val="accent5">
+                  <a:lumMod val="45000"/>
+                  <a:lumOff val="55000"/>
+                </a:schemeClr>
+              </a:gs>
+              <a:gs pos="100000">
+                <a:schemeClr val="accent5">
+                  <a:lumMod val="30000"/>
+                  <a:lumOff val="70000"/>
+                </a:schemeClr>
+              </a:gs>
+            </a:gsLst>
+            <a:lin ang="5400000" scaled="1"/>
+            <a:tileRect/>
+          </a:gradFill>
+        </p:spPr>
+        <p:style>
+          <a:lnRef idx="2">
+            <a:schemeClr val="accent1">
+              <a:shade val="50000"/>
+            </a:schemeClr>
+          </a:lnRef>
+          <a:fillRef idx="1">
+            <a:schemeClr val="accent1"/>
+          </a:fillRef>
+          <a:effectRef idx="0">
+            <a:schemeClr val="accent1"/>
+          </a:effectRef>
+          <a:fontRef idx="minor">
+            <a:schemeClr val="lt1"/>
+          </a:fontRef>
+        </p:style>
+        <p:txBody>
+          <a:bodyPr rtlCol="0" anchor="ctr"/>
+          <a:lstStyle/>
+          <a:p>
+            <a:pPr algn="ctr"/>
+            <a:r>
+              <a:rPr lang="en-US" sz="2800" dirty="0">
+                <a:solidFill>
+                  <a:srgbClr val="C00000"/>
+                </a:solidFill>
+              </a:rPr>
+              <a:t>VB.NET</a:t>
+            </a:r>
+          </a:p>
+        </p:txBody>
+      </p:sp>
+      <p:sp>
+        <p:nvSpPr>
+          <p:cNvPr id="5" name="Rectangle: Rounded Corners 4">
+            <a:extLst>
+              <a:ext uri="{FF2B5EF4-FFF2-40B4-BE49-F238E27FC236}">
+                <a16:creationId xmlns:a16="http://schemas.microsoft.com/office/drawing/2014/main" id="{60747197-617D-4334-AEE4-B2D99776FA77}"/>
+              </a:ext>
+            </a:extLst>
+          </p:cNvPr>
+          <p:cNvSpPr/>
+          <p:nvPr/>
+        </p:nvSpPr>
+        <p:spPr>
+          <a:xfrm>
+            <a:off x="1267251" y="4242608"/>
+            <a:ext cx="2946400" cy="957263"/>
+          </a:xfrm>
+          <a:prstGeom prst="roundRect">
+            <a:avLst/>
+          </a:prstGeom>
+          <a:gradFill flip="none" rotWithShape="1">
+            <a:gsLst>
+              <a:gs pos="0">
+                <a:schemeClr val="accent6">
+                  <a:lumMod val="5000"/>
+                  <a:lumOff val="95000"/>
+                </a:schemeClr>
+              </a:gs>
+              <a:gs pos="74000">
+                <a:schemeClr val="accent6">
+                  <a:lumMod val="45000"/>
+                  <a:lumOff val="55000"/>
+                </a:schemeClr>
+              </a:gs>
+              <a:gs pos="83000">
+                <a:schemeClr val="accent6">
+                  <a:lumMod val="45000"/>
+                  <a:lumOff val="55000"/>
+                </a:schemeClr>
+              </a:gs>
+              <a:gs pos="100000">
+                <a:schemeClr val="accent6">
+                  <a:lumMod val="30000"/>
+                  <a:lumOff val="70000"/>
+                </a:schemeClr>
+              </a:gs>
+            </a:gsLst>
+            <a:lin ang="5400000" scaled="1"/>
+            <a:tileRect/>
+          </a:gradFill>
+        </p:spPr>
+        <p:style>
+          <a:lnRef idx="2">
+            <a:schemeClr val="accent1">
+              <a:shade val="50000"/>
+            </a:schemeClr>
+          </a:lnRef>
+          <a:fillRef idx="1">
+            <a:schemeClr val="accent1"/>
+          </a:fillRef>
+          <a:effectRef idx="0">
+            <a:schemeClr val="accent1"/>
+          </a:effectRef>
+          <a:fontRef idx="minor">
+            <a:schemeClr val="lt1"/>
+          </a:fontRef>
+        </p:style>
+        <p:txBody>
+          <a:bodyPr rtlCol="0" anchor="ctr"/>
+          <a:lstStyle/>
+          <a:p>
+            <a:pPr algn="ctr"/>
+            <a:r>
+              <a:rPr lang="en-US" sz="2800" dirty="0">
+                <a:solidFill>
+                  <a:srgbClr val="C00000"/>
+                </a:solidFill>
+              </a:rPr>
+              <a:t>System.Int32</a:t>
+            </a:r>
+          </a:p>
+        </p:txBody>
+      </p:sp>
+      <p:cxnSp>
+        <p:nvCxnSpPr>
+          <p:cNvPr id="8" name="Straight Arrow Connector 7">
+            <a:extLst>
+              <a:ext uri="{FF2B5EF4-FFF2-40B4-BE49-F238E27FC236}">
+                <a16:creationId xmlns:a16="http://schemas.microsoft.com/office/drawing/2014/main" id="{AEA55468-BEAD-4A98-BB33-B0D6546A4347}"/>
+              </a:ext>
+            </a:extLst>
+          </p:cNvPr>
+          <p:cNvCxnSpPr>
+            <a:stCxn id="3" idx="4"/>
+          </p:cNvCxnSpPr>
+          <p:nvPr/>
+        </p:nvCxnSpPr>
+        <p:spPr>
+          <a:xfrm>
+            <a:off x="1267251" y="2982131"/>
+            <a:ext cx="816073" cy="1260477"/>
+          </a:xfrm>
+          <a:prstGeom prst="straightConnector1">
+            <a:avLst/>
+          </a:prstGeom>
+          <a:ln w="25400">
+            <a:tailEnd type="triangle" w="med" len="lg"/>
+          </a:ln>
+        </p:spPr>
+        <p:style>
+          <a:lnRef idx="1">
+            <a:schemeClr val="accent1"/>
+          </a:lnRef>
+          <a:fillRef idx="0">
+            <a:schemeClr val="accent1"/>
+          </a:fillRef>
+          <a:effectRef idx="0">
+            <a:schemeClr val="accent1"/>
+          </a:effectRef>
+          <a:fontRef idx="minor">
+            <a:schemeClr val="tx1"/>
+          </a:fontRef>
+        </p:style>
+      </p:cxnSp>
+      <p:cxnSp>
+        <p:nvCxnSpPr>
+          <p:cNvPr id="35" name="Straight Arrow Connector 34">
+            <a:extLst>
+              <a:ext uri="{FF2B5EF4-FFF2-40B4-BE49-F238E27FC236}">
+                <a16:creationId xmlns:a16="http://schemas.microsoft.com/office/drawing/2014/main" id="{EC858648-2044-4796-998E-3F4A0E22F6D1}"/>
+              </a:ext>
+            </a:extLst>
+          </p:cNvPr>
+          <p:cNvCxnSpPr>
+            <a:cxnSpLocks/>
+            <a:stCxn id="31" idx="4"/>
+          </p:cNvCxnSpPr>
+          <p:nvPr/>
+        </p:nvCxnSpPr>
+        <p:spPr>
+          <a:xfrm flipH="1">
+            <a:off x="3248257" y="2982132"/>
+            <a:ext cx="1145009" cy="1260476"/>
+          </a:xfrm>
+          <a:prstGeom prst="straightConnector1">
+            <a:avLst/>
+          </a:prstGeom>
+          <a:ln w="25400">
+            <a:tailEnd type="triangle" w="med" len="lg"/>
+          </a:ln>
+        </p:spPr>
+        <p:style>
+          <a:lnRef idx="1">
+            <a:schemeClr val="accent1"/>
+          </a:lnRef>
+          <a:fillRef idx="0">
+            <a:schemeClr val="accent1"/>
+          </a:fillRef>
+          <a:effectRef idx="0">
+            <a:schemeClr val="accent1"/>
+          </a:effectRef>
+          <a:fontRef idx="minor">
+            <a:schemeClr val="tx1"/>
+          </a:fontRef>
+        </p:style>
+      </p:cxnSp>
+      <p:pic>
+        <p:nvPicPr>
+          <p:cNvPr id="11" name="Picture 10">
+            <a:extLst>
+              <a:ext uri="{FF2B5EF4-FFF2-40B4-BE49-F238E27FC236}">
+                <a16:creationId xmlns:a16="http://schemas.microsoft.com/office/drawing/2014/main" id="{01C48D36-6A61-4329-A7F4-5C66BD18495E}"/>
+              </a:ext>
+            </a:extLst>
+          </p:cNvPr>
+          <p:cNvPicPr>
+            <a:picLocks noChangeAspect="1"/>
+          </p:cNvPicPr>
+          <p:nvPr/>
+        </p:nvPicPr>
+        <p:blipFill>
+          <a:blip r:embed="rId2"/>
+          <a:stretch>
+            <a:fillRect/>
+          </a:stretch>
+        </p:blipFill>
+        <p:spPr>
+          <a:xfrm>
+            <a:off x="5610653" y="1925400"/>
+            <a:ext cx="6335389" cy="3274471"/>
+          </a:xfrm>
+          <a:prstGeom prst="rect">
+            <a:avLst/>
+          </a:prstGeom>
+          <a:effectLst>
+            <a:outerShdw blurRad="50800" dist="38100" dir="2700000" algn="tl" rotWithShape="0">
+              <a:prstClr val="black">
+                <a:alpha val="40000"/>
+              </a:prstClr>
+            </a:outerShdw>
+          </a:effectLst>
+        </p:spPr>
+      </p:pic>
+    </p:spTree>
+    <p:extLst>
+      <p:ext uri="{BB962C8B-B14F-4D97-AF65-F5344CB8AC3E}">
+        <p14:creationId xmlns:p14="http://schemas.microsoft.com/office/powerpoint/2010/main" val="490008694"/>
+      </p:ext>
+    </p:extLst>
+  </p:cSld>
+  <p:clrMapOvr>
+    <a:masterClrMapping/>
+  </p:clrMapOvr>
+</p:sld>
+</file>
+
+<file path=ppt/slides/slide11.xml><?xml version="1.0" encoding="utf-8"?>
+<p:sld xmlns:a="http://schemas.openxmlformats.org/drawingml/2006/main" xmlns:r="http://schemas.openxmlformats.org/officeDocument/2006/relationships" xmlns:p="http://schemas.openxmlformats.org/presentationml/2006/main">
+  <p:cSld>
+    <p:spTree>
+      <p:nvGrpSpPr>
+        <p:cNvPr id="1" name=""/>
+        <p:cNvGrpSpPr/>
+        <p:nvPr/>
+      </p:nvGrpSpPr>
+      <p:grpSpPr>
+        <a:xfrm>
+          <a:off x="0" y="0"/>
+          <a:ext cx="0" cy="0"/>
+          <a:chOff x="0" y="0"/>
+          <a:chExt cx="0" cy="0"/>
+        </a:xfrm>
+      </p:grpSpPr>
+      <p:sp>
+        <p:nvSpPr>
           <p:cNvPr id="2" name="Title 1"/>
           <p:cNvSpPr>
             <a:spLocks noGrp="1"/>
@@ -6029,7 +6504,7 @@
                 <a:cs typeface="TH Baijam" pitchFamily="2" charset="-34"/>
               </a:rPr>
               <a:pPr/>
-              <a:t>10</a:t>
+              <a:t>11</a:t>
             </a:fld>
             <a:endParaRPr lang="th-TH" sz="3600" dirty="0">
               <a:latin typeface="TH Baijam" pitchFamily="2" charset="-34"/>
@@ -6264,7 +6739,7 @@
 </p:sld>
 </file>
 
-<file path=ppt/slides/slide11.xml><?xml version="1.0" encoding="utf-8"?>
+<file path=ppt/slides/slide12.xml><?xml version="1.0" encoding="utf-8"?>
 <p:sld xmlns:a="http://schemas.openxmlformats.org/drawingml/2006/main" xmlns:r="http://schemas.openxmlformats.org/officeDocument/2006/relationships" xmlns:p="http://schemas.openxmlformats.org/presentationml/2006/main">
   <p:cSld>
     <p:spTree>
@@ -6359,7 +6834,7 @@
                 <a:cs typeface="TH Baijam" pitchFamily="2" charset="-34"/>
               </a:rPr>
               <a:pPr/>
-              <a:t>11</a:t>
+              <a:t>12</a:t>
             </a:fld>
             <a:endParaRPr lang="th-TH" sz="3600" dirty="0">
               <a:latin typeface="TH Baijam" pitchFamily="2" charset="-34"/>
@@ -6492,7 +6967,7 @@
 </p:sld>
 </file>
 
-<file path=ppt/slides/slide12.xml><?xml version="1.0" encoding="utf-8"?>
+<file path=ppt/slides/slide13.xml><?xml version="1.0" encoding="utf-8"?>
 <p:sld xmlns:a="http://schemas.openxmlformats.org/drawingml/2006/main" xmlns:r="http://schemas.openxmlformats.org/officeDocument/2006/relationships" xmlns:p="http://schemas.openxmlformats.org/presentationml/2006/main">
   <p:cSld>
     <p:spTree>
@@ -6621,7 +7096,7 @@
                 <a:cs typeface="TH Baijam" pitchFamily="2" charset="-34"/>
               </a:rPr>
               <a:pPr/>
-              <a:t>12</a:t>
+              <a:t>13</a:t>
             </a:fld>
             <a:endParaRPr lang="th-TH" sz="3600" dirty="0">
               <a:latin typeface="TH Baijam" pitchFamily="2" charset="-34"/>
@@ -6718,7 +7193,7 @@
 </p:sld>
 </file>
 
-<file path=ppt/slides/slide13.xml><?xml version="1.0" encoding="utf-8"?>
+<file path=ppt/slides/slide14.xml><?xml version="1.0" encoding="utf-8"?>
 <p:sld xmlns:a="http://schemas.openxmlformats.org/drawingml/2006/main" xmlns:r="http://schemas.openxmlformats.org/officeDocument/2006/relationships" xmlns:p="http://schemas.openxmlformats.org/presentationml/2006/main">
   <p:cSld>
     <p:spTree>
@@ -6860,7 +7335,12 @@
             <p:ph idx="1"/>
           </p:nvPr>
         </p:nvSpPr>
-        <p:spPr/>
+        <p:spPr>
+          <a:xfrm>
+            <a:off x="430794" y="1870075"/>
+            <a:ext cx="10515600" cy="4351338"/>
+          </a:xfrm>
+        </p:spPr>
         <p:txBody>
           <a:bodyPr>
             <a:normAutofit/>
@@ -6923,7 +7403,7 @@
               <a:buChar char="o"/>
             </a:pPr>
             <a:r>
-              <a:rPr lang="en-US" sz="3200" b="1" i="0" dirty="0" err="1">
+              <a:rPr lang="en-US" sz="3200" b="1" i="0" dirty="0">
                 <a:solidFill>
                   <a:srgbClr val="7030A0"/>
                 </a:solidFill>
@@ -6931,18 +7411,7 @@
                 <a:latin typeface="TH Sarabun New" panose="020B0500040200020003" pitchFamily="34" charset="-34"/>
                 <a:cs typeface="TH Sarabun New" panose="020B0500040200020003" pitchFamily="34" charset="-34"/>
               </a:rPr>
-              <a:t>enum</a:t>
-            </a:r>
-            <a:r>
-              <a:rPr lang="en-US" sz="3200" b="1" i="0" dirty="0">
-                <a:solidFill>
-                  <a:srgbClr val="7030A0"/>
-                </a:solidFill>
-                <a:effectLst/>
-                <a:latin typeface="TH Sarabun New" panose="020B0500040200020003" pitchFamily="34" charset="-34"/>
-                <a:cs typeface="TH Sarabun New" panose="020B0500040200020003" pitchFamily="34" charset="-34"/>
-              </a:rPr>
-              <a:t> types</a:t>
+              <a:t>enum types</a:t>
             </a:r>
           </a:p>
           <a:p>
@@ -7012,7 +7481,7 @@
                 <a:cs typeface="TH Baijam" pitchFamily="2" charset="-34"/>
               </a:rPr>
               <a:pPr/>
-              <a:t>13</a:t>
+              <a:t>14</a:t>
             </a:fld>
             <a:endParaRPr lang="th-TH" sz="3600" dirty="0">
               <a:latin typeface="TH Baijam" pitchFamily="2" charset="-34"/>
@@ -7049,7 +7518,7 @@
         </p:blipFill>
         <p:spPr>
           <a:xfrm>
-            <a:off x="5581650" y="2079153"/>
+            <a:off x="4706983" y="1880456"/>
             <a:ext cx="6453720" cy="1683929"/>
           </a:xfrm>
           <a:prstGeom prst="rect">
@@ -7092,7 +7561,7 @@
         </p:blipFill>
         <p:spPr>
           <a:xfrm>
-            <a:off x="3832316" y="4079473"/>
+            <a:off x="3742310" y="3911622"/>
             <a:ext cx="8203054" cy="2097490"/>
           </a:xfrm>
           <a:prstGeom prst="rect">
@@ -7120,7 +7589,7 @@
 </p:sld>
 </file>
 
-<file path=ppt/slides/slide14.xml><?xml version="1.0" encoding="utf-8"?>
+<file path=ppt/slides/slide15.xml><?xml version="1.0" encoding="utf-8"?>
 <p:sld xmlns:a="http://schemas.openxmlformats.org/drawingml/2006/main" xmlns:r="http://schemas.openxmlformats.org/officeDocument/2006/relationships" xmlns:p="http://schemas.openxmlformats.org/presentationml/2006/main">
   <p:cSld>
     <p:spTree>
@@ -7210,7 +7679,7 @@
                 <a:cs typeface="TH Baijam" pitchFamily="2" charset="-34"/>
               </a:rPr>
               <a:pPr/>
-              <a:t>14</a:t>
+              <a:t>15</a:t>
             </a:fld>
             <a:endParaRPr lang="th-TH" sz="3600" dirty="0">
               <a:latin typeface="TH Baijam" pitchFamily="2" charset="-34"/>
@@ -7928,7 +8397,7 @@
 </p:sld>
 </file>
 
-<file path=ppt/slides/slide15.xml><?xml version="1.0" encoding="utf-8"?>
+<file path=ppt/slides/slide16.xml><?xml version="1.0" encoding="utf-8"?>
 <p:sld xmlns:a="http://schemas.openxmlformats.org/drawingml/2006/main" xmlns:r="http://schemas.openxmlformats.org/officeDocument/2006/relationships" xmlns:p="http://schemas.openxmlformats.org/presentationml/2006/main">
   <p:cSld>
     <p:spTree>
@@ -8018,7 +8487,7 @@
                 <a:cs typeface="TH Baijam" pitchFamily="2" charset="-34"/>
               </a:rPr>
               <a:pPr/>
-              <a:t>15</a:t>
+              <a:t>16</a:t>
             </a:fld>
             <a:endParaRPr lang="th-TH" sz="3600" dirty="0">
               <a:latin typeface="TH Baijam" pitchFamily="2" charset="-34"/>
@@ -8076,609 +8545,6 @@
 </p:sld>
 </file>
 
-<file path=ppt/slides/slide16.xml><?xml version="1.0" encoding="utf-8"?>
-<p:sld xmlns:a="http://schemas.openxmlformats.org/drawingml/2006/main" xmlns:r="http://schemas.openxmlformats.org/officeDocument/2006/relationships" xmlns:p="http://schemas.openxmlformats.org/presentationml/2006/main">
-  <p:cSld>
-    <p:spTree>
-      <p:nvGrpSpPr>
-        <p:cNvPr id="1" name=""/>
-        <p:cNvGrpSpPr/>
-        <p:nvPr/>
-      </p:nvGrpSpPr>
-      <p:grpSpPr>
-        <a:xfrm>
-          <a:off x="0" y="0"/>
-          <a:ext cx="0" cy="0"/>
-          <a:chOff x="0" y="0"/>
-          <a:chExt cx="0" cy="0"/>
-        </a:xfrm>
-      </p:grpSpPr>
-      <p:sp>
-        <p:nvSpPr>
-          <p:cNvPr id="2" name="Title 1"/>
-          <p:cNvSpPr>
-            <a:spLocks noGrp="1"/>
-          </p:cNvSpPr>
-          <p:nvPr>
-            <p:ph type="title"/>
-          </p:nvPr>
-        </p:nvSpPr>
-        <p:spPr/>
-        <p:txBody>
-          <a:bodyPr/>
-          <a:lstStyle/>
-          <a:p>
-            <a:pPr>
-              <a:defRPr/>
-            </a:pPr>
-            <a:r>
-              <a:rPr lang="en-US" sz="6000" b="1" dirty="0">
-                <a:solidFill>
-                  <a:srgbClr val="0070C0"/>
-                </a:solidFill>
-                <a:effectLst>
-                  <a:outerShdw blurRad="38100" dist="38100" dir="2700000" algn="tl">
-                    <a:srgbClr val="000000">
-                      <a:alpha val="43137"/>
-                    </a:srgbClr>
-                  </a:outerShdw>
-                </a:effectLst>
-                <a:latin typeface="TH Sarabun New" panose="020B0500040200020003" pitchFamily="34" charset="-34"/>
-                <a:cs typeface="TH Sarabun New" panose="020B0500040200020003" pitchFamily="34" charset="-34"/>
-              </a:rPr>
-              <a:t>The Stack</a:t>
-            </a:r>
-            <a:endParaRPr lang="th-TH" sz="6000" b="1" dirty="0">
-              <a:solidFill>
-                <a:srgbClr val="0070C0"/>
-              </a:solidFill>
-              <a:effectLst>
-                <a:outerShdw blurRad="38100" dist="38100" dir="2700000" algn="tl">
-                  <a:srgbClr val="000000">
-                    <a:alpha val="43137"/>
-                  </a:srgbClr>
-                </a:outerShdw>
-              </a:effectLst>
-              <a:latin typeface="TH Sarabun New" panose="020B0500040200020003" pitchFamily="34" charset="-34"/>
-              <a:cs typeface="TH Sarabun New" panose="020B0500040200020003" pitchFamily="34" charset="-34"/>
-            </a:endParaRPr>
-          </a:p>
-        </p:txBody>
-      </p:sp>
-      <p:sp>
-        <p:nvSpPr>
-          <p:cNvPr id="3" name="Content Placeholder 2">
-            <a:extLst>
-              <a:ext uri="{FF2B5EF4-FFF2-40B4-BE49-F238E27FC236}">
-                <a16:creationId xmlns:a16="http://schemas.microsoft.com/office/drawing/2014/main" id="{34C9BD23-1E1B-4304-A8D3-F878186970D6}"/>
-              </a:ext>
-            </a:extLst>
-          </p:cNvPr>
-          <p:cNvSpPr>
-            <a:spLocks noGrp="1"/>
-          </p:cNvSpPr>
-          <p:nvPr>
-            <p:ph idx="1"/>
-          </p:nvPr>
-        </p:nvSpPr>
-        <p:spPr>
-          <a:xfrm>
-            <a:off x="838200" y="1825625"/>
-            <a:ext cx="10515600" cy="4895850"/>
-          </a:xfrm>
-        </p:spPr>
-        <p:txBody>
-          <a:bodyPr>
-            <a:normAutofit/>
-          </a:bodyPr>
-          <a:lstStyle/>
-          <a:p>
-            <a:pPr marL="542925" indent="-542925">
-              <a:buFont typeface="Courier New" panose="02070309020205020404" pitchFamily="49" charset="0"/>
-              <a:buChar char="o"/>
-            </a:pPr>
-            <a:r>
-              <a:rPr lang="en-US" sz="3600" b="1" dirty="0">
-                <a:solidFill>
-                  <a:srgbClr val="0000FF"/>
-                </a:solidFill>
-                <a:latin typeface="TH Sarabun New" panose="020B0500040200020003" pitchFamily="34" charset="-34"/>
-                <a:cs typeface="TH Sarabun New" panose="020B0500040200020003" pitchFamily="34" charset="-34"/>
-              </a:rPr>
-              <a:t>Stack </a:t>
-            </a:r>
-            <a:r>
-              <a:rPr lang="th-TH" sz="3600" b="1" dirty="0">
-                <a:solidFill>
-                  <a:srgbClr val="0000FF"/>
-                </a:solidFill>
-                <a:latin typeface="TH Sarabun New" panose="020B0500040200020003" pitchFamily="34" charset="-34"/>
-                <a:cs typeface="TH Sarabun New" panose="020B0500040200020003" pitchFamily="34" charset="-34"/>
-              </a:rPr>
-              <a:t>ของ</a:t>
-            </a:r>
-            <a:r>
-              <a:rPr lang="en-US" sz="3600" b="1" dirty="0">
-                <a:solidFill>
-                  <a:srgbClr val="0000FF"/>
-                </a:solidFill>
-                <a:latin typeface="TH Sarabun New" panose="020B0500040200020003" pitchFamily="34" charset="-34"/>
-                <a:cs typeface="TH Sarabun New" panose="020B0500040200020003" pitchFamily="34" charset="-34"/>
-              </a:rPr>
-              <a:t> Application </a:t>
-            </a:r>
-            <a:r>
-              <a:rPr lang="th-TH" sz="3600" b="1" dirty="0">
-                <a:solidFill>
-                  <a:srgbClr val="0000FF"/>
-                </a:solidFill>
-                <a:latin typeface="TH Sarabun New" panose="020B0500040200020003" pitchFamily="34" charset="-34"/>
-                <a:cs typeface="TH Sarabun New" panose="020B0500040200020003" pitchFamily="34" charset="-34"/>
-              </a:rPr>
-              <a:t>มีหน้าที่</a:t>
-            </a:r>
-          </a:p>
-          <a:p>
-            <a:pPr marL="1000125" lvl="1" indent="-542925">
-              <a:buFont typeface="Courier New" panose="02070309020205020404" pitchFamily="49" charset="0"/>
-              <a:buChar char="o"/>
-            </a:pPr>
-            <a:r>
-              <a:rPr lang="th-TH" sz="3200" b="1" dirty="0">
-                <a:solidFill>
-                  <a:srgbClr val="9900CC"/>
-                </a:solidFill>
-                <a:latin typeface="TH Sarabun New" panose="020B0500040200020003" pitchFamily="34" charset="-34"/>
-                <a:cs typeface="TH Sarabun New" panose="020B0500040200020003" pitchFamily="34" charset="-34"/>
-              </a:rPr>
-              <a:t>เก็บข้อมูล  (ตัวแปรต่าง ๆ)</a:t>
-            </a:r>
-          </a:p>
-          <a:p>
-            <a:pPr marL="1000125" lvl="1" indent="-542925">
-              <a:buFont typeface="Courier New" panose="02070309020205020404" pitchFamily="49" charset="0"/>
-              <a:buChar char="o"/>
-            </a:pPr>
-            <a:r>
-              <a:rPr lang="th-TH" sz="3200" b="1" dirty="0">
-                <a:solidFill>
-                  <a:srgbClr val="9900CC"/>
-                </a:solidFill>
-                <a:latin typeface="TH Sarabun New" panose="020B0500040200020003" pitchFamily="34" charset="-34"/>
-                <a:cs typeface="TH Sarabun New" panose="020B0500040200020003" pitchFamily="34" charset="-34"/>
-              </a:rPr>
-              <a:t>เก็บสถานะการทำงานของ </a:t>
-            </a:r>
-            <a:r>
-              <a:rPr lang="en-US" sz="3200" b="1" dirty="0">
-                <a:solidFill>
-                  <a:srgbClr val="9900CC"/>
-                </a:solidFill>
-                <a:latin typeface="TH Sarabun New" panose="020B0500040200020003" pitchFamily="34" charset="-34"/>
-                <a:cs typeface="TH Sarabun New" panose="020B0500040200020003" pitchFamily="34" charset="-34"/>
-              </a:rPr>
-              <a:t>Application</a:t>
-            </a:r>
-          </a:p>
-          <a:p>
-            <a:pPr marL="1000125" lvl="1" indent="-542925">
-              <a:buFont typeface="Courier New" panose="02070309020205020404" pitchFamily="49" charset="0"/>
-              <a:buChar char="o"/>
-            </a:pPr>
-            <a:r>
-              <a:rPr lang="th-TH" sz="3200" b="1" dirty="0">
-                <a:solidFill>
-                  <a:srgbClr val="9900CC"/>
-                </a:solidFill>
-                <a:latin typeface="TH Sarabun New" panose="020B0500040200020003" pitchFamily="34" charset="-34"/>
-                <a:cs typeface="TH Sarabun New" panose="020B0500040200020003" pitchFamily="34" charset="-34"/>
-              </a:rPr>
-              <a:t>ส่งผ่านข้อมูล</a:t>
-            </a:r>
-            <a:r>
-              <a:rPr lang="en-US" sz="3200" b="1" dirty="0">
-                <a:solidFill>
-                  <a:srgbClr val="9900CC"/>
-                </a:solidFill>
-                <a:latin typeface="TH Sarabun New" panose="020B0500040200020003" pitchFamily="34" charset="-34"/>
-                <a:cs typeface="TH Sarabun New" panose="020B0500040200020003" pitchFamily="34" charset="-34"/>
-              </a:rPr>
-              <a:t> (parameters) </a:t>
-            </a:r>
-            <a:r>
-              <a:rPr lang="th-TH" sz="3200" b="1" dirty="0">
-                <a:solidFill>
-                  <a:srgbClr val="9900CC"/>
-                </a:solidFill>
-                <a:latin typeface="TH Sarabun New" panose="020B0500040200020003" pitchFamily="34" charset="-34"/>
-                <a:cs typeface="TH Sarabun New" panose="020B0500040200020003" pitchFamily="34" charset="-34"/>
-              </a:rPr>
-              <a:t>ไปยัง </a:t>
-            </a:r>
-            <a:r>
-              <a:rPr lang="en-US" sz="3200" b="1" dirty="0">
-                <a:solidFill>
-                  <a:srgbClr val="9900CC"/>
-                </a:solidFill>
-                <a:latin typeface="TH Sarabun New" panose="020B0500040200020003" pitchFamily="34" charset="-34"/>
-                <a:cs typeface="TH Sarabun New" panose="020B0500040200020003" pitchFamily="34" charset="-34"/>
-              </a:rPr>
-              <a:t>method</a:t>
-            </a:r>
-            <a:endParaRPr lang="th-TH" sz="3200" b="1" dirty="0">
-              <a:solidFill>
-                <a:srgbClr val="9900CC"/>
-              </a:solidFill>
-              <a:latin typeface="TH Sarabun New" panose="020B0500040200020003" pitchFamily="34" charset="-34"/>
-              <a:cs typeface="TH Sarabun New" panose="020B0500040200020003" pitchFamily="34" charset="-34"/>
-            </a:endParaRPr>
-          </a:p>
-          <a:p>
-            <a:pPr marL="542925" indent="-542925">
-              <a:buFont typeface="Courier New" panose="02070309020205020404" pitchFamily="49" charset="0"/>
-              <a:buChar char="o"/>
-            </a:pPr>
-            <a:r>
-              <a:rPr lang="th-TH" sz="3600" b="1" dirty="0">
-                <a:solidFill>
-                  <a:srgbClr val="0000FF"/>
-                </a:solidFill>
-                <a:latin typeface="TH Sarabun New" panose="020B0500040200020003" pitchFamily="34" charset="-34"/>
-                <a:cs typeface="TH Sarabun New" panose="020B0500040200020003" pitchFamily="34" charset="-34"/>
-              </a:rPr>
-              <a:t>การนำข้อมูลเข้าไปเก็บใน </a:t>
-            </a:r>
-            <a:r>
-              <a:rPr lang="en-US" sz="3600" b="1" dirty="0">
-                <a:solidFill>
-                  <a:srgbClr val="0000FF"/>
-                </a:solidFill>
-                <a:latin typeface="TH Sarabun New" panose="020B0500040200020003" pitchFamily="34" charset="-34"/>
-                <a:cs typeface="TH Sarabun New" panose="020B0500040200020003" pitchFamily="34" charset="-34"/>
-              </a:rPr>
-              <a:t>stack </a:t>
-            </a:r>
-            <a:r>
-              <a:rPr lang="th-TH" sz="3600" b="1" dirty="0">
-                <a:solidFill>
-                  <a:srgbClr val="0000FF"/>
-                </a:solidFill>
-                <a:latin typeface="TH Sarabun New" panose="020B0500040200020003" pitchFamily="34" charset="-34"/>
-                <a:cs typeface="TH Sarabun New" panose="020B0500040200020003" pitchFamily="34" charset="-34"/>
-              </a:rPr>
-              <a:t>เรียกว่าการ </a:t>
-            </a:r>
-            <a:r>
-              <a:rPr lang="en-US" sz="3600" b="1" dirty="0">
-                <a:solidFill>
-                  <a:srgbClr val="0000FF"/>
-                </a:solidFill>
-                <a:latin typeface="TH Sarabun New" panose="020B0500040200020003" pitchFamily="34" charset="-34"/>
-                <a:cs typeface="TH Sarabun New" panose="020B0500040200020003" pitchFamily="34" charset="-34"/>
-              </a:rPr>
-              <a:t>push</a:t>
-            </a:r>
-          </a:p>
-          <a:p>
-            <a:pPr marL="1000125" lvl="1" indent="-542925">
-              <a:buFont typeface="Courier New" panose="02070309020205020404" pitchFamily="49" charset="0"/>
-              <a:buChar char="o"/>
-            </a:pPr>
-            <a:r>
-              <a:rPr lang="th-TH" sz="3200" b="1" dirty="0">
-                <a:solidFill>
-                  <a:srgbClr val="9900CC"/>
-                </a:solidFill>
-                <a:latin typeface="TH Sarabun New" panose="020B0500040200020003" pitchFamily="34" charset="-34"/>
-                <a:cs typeface="TH Sarabun New" panose="020B0500040200020003" pitchFamily="34" charset="-34"/>
-              </a:rPr>
-              <a:t>จะ </a:t>
-            </a:r>
-            <a:r>
-              <a:rPr lang="en-US" sz="3200" b="1" dirty="0">
-                <a:solidFill>
-                  <a:srgbClr val="9900CC"/>
-                </a:solidFill>
-                <a:latin typeface="TH Sarabun New" panose="020B0500040200020003" pitchFamily="34" charset="-34"/>
-                <a:cs typeface="TH Sarabun New" panose="020B0500040200020003" pitchFamily="34" charset="-34"/>
-              </a:rPr>
-              <a:t>push </a:t>
-            </a:r>
-            <a:r>
-              <a:rPr lang="th-TH" sz="3200" b="1" dirty="0">
-                <a:solidFill>
-                  <a:srgbClr val="9900CC"/>
-                </a:solidFill>
-                <a:latin typeface="TH Sarabun New" panose="020B0500040200020003" pitchFamily="34" charset="-34"/>
-                <a:cs typeface="TH Sarabun New" panose="020B0500040200020003" pitchFamily="34" charset="-34"/>
-              </a:rPr>
-              <a:t>ที่ </a:t>
-            </a:r>
-            <a:r>
-              <a:rPr lang="en-US" sz="3200" b="1" dirty="0">
-                <a:solidFill>
-                  <a:srgbClr val="9900CC"/>
-                </a:solidFill>
-                <a:latin typeface="TH Sarabun New" panose="020B0500040200020003" pitchFamily="34" charset="-34"/>
-                <a:cs typeface="TH Sarabun New" panose="020B0500040200020003" pitchFamily="34" charset="-34"/>
-              </a:rPr>
-              <a:t>top of stack </a:t>
-            </a:r>
-            <a:r>
-              <a:rPr lang="th-TH" sz="3200" b="1" dirty="0">
-                <a:solidFill>
-                  <a:srgbClr val="9900CC"/>
-                </a:solidFill>
-                <a:latin typeface="TH Sarabun New" panose="020B0500040200020003" pitchFamily="34" charset="-34"/>
-                <a:cs typeface="TH Sarabun New" panose="020B0500040200020003" pitchFamily="34" charset="-34"/>
-              </a:rPr>
-              <a:t>เสมอ</a:t>
-            </a:r>
-            <a:r>
-              <a:rPr lang="en-US" sz="3200" b="1" dirty="0">
-                <a:solidFill>
-                  <a:srgbClr val="9900CC"/>
-                </a:solidFill>
-                <a:latin typeface="TH Sarabun New" panose="020B0500040200020003" pitchFamily="34" charset="-34"/>
-                <a:cs typeface="TH Sarabun New" panose="020B0500040200020003" pitchFamily="34" charset="-34"/>
-              </a:rPr>
-              <a:t> </a:t>
-            </a:r>
-            <a:r>
-              <a:rPr lang="en-US" sz="3200" b="1" dirty="0">
-                <a:solidFill>
-                  <a:srgbClr val="C00000"/>
-                </a:solidFill>
-                <a:latin typeface="TH Sarabun New" panose="020B0500040200020003" pitchFamily="34" charset="-34"/>
-                <a:cs typeface="TH Sarabun New" panose="020B0500040200020003" pitchFamily="34" charset="-34"/>
-              </a:rPr>
-              <a:t>(</a:t>
-            </a:r>
-            <a:r>
-              <a:rPr lang="th-TH" sz="3200" b="1" dirty="0">
-                <a:solidFill>
-                  <a:srgbClr val="C00000"/>
-                </a:solidFill>
-                <a:latin typeface="TH Sarabun New" panose="020B0500040200020003" pitchFamily="34" charset="-34"/>
-                <a:cs typeface="TH Sarabun New" panose="020B0500040200020003" pitchFamily="34" charset="-34"/>
-              </a:rPr>
-              <a:t>เสมือนการ </a:t>
-            </a:r>
-            <a:r>
-              <a:rPr lang="en-US" sz="3200" b="1" dirty="0">
-                <a:solidFill>
-                  <a:srgbClr val="C00000"/>
-                </a:solidFill>
-                <a:latin typeface="TH Sarabun New" panose="020B0500040200020003" pitchFamily="34" charset="-34"/>
-                <a:cs typeface="TH Sarabun New" panose="020B0500040200020003" pitchFamily="34" charset="-34"/>
-              </a:rPr>
-              <a:t>insert </a:t>
-            </a:r>
-            <a:r>
-              <a:rPr lang="th-TH" sz="3200" b="1" dirty="0">
-                <a:solidFill>
-                  <a:srgbClr val="C00000"/>
-                </a:solidFill>
-                <a:latin typeface="TH Sarabun New" panose="020B0500040200020003" pitchFamily="34" charset="-34"/>
-                <a:cs typeface="TH Sarabun New" panose="020B0500040200020003" pitchFamily="34" charset="-34"/>
-              </a:rPr>
-              <a:t>ข้อมูล</a:t>
-            </a:r>
-            <a:r>
-              <a:rPr lang="en-US" sz="3200" b="1" dirty="0">
-                <a:solidFill>
-                  <a:srgbClr val="C00000"/>
-                </a:solidFill>
-                <a:latin typeface="TH Sarabun New" panose="020B0500040200020003" pitchFamily="34" charset="-34"/>
-                <a:cs typeface="TH Sarabun New" panose="020B0500040200020003" pitchFamily="34" charset="-34"/>
-              </a:rPr>
-              <a:t>)</a:t>
-            </a:r>
-          </a:p>
-          <a:p>
-            <a:pPr marL="542925" indent="-542925">
-              <a:buFont typeface="Courier New" panose="02070309020205020404" pitchFamily="49" charset="0"/>
-              <a:buChar char="o"/>
-            </a:pPr>
-            <a:r>
-              <a:rPr lang="th-TH" sz="3600" b="1" dirty="0">
-                <a:solidFill>
-                  <a:srgbClr val="0000FF"/>
-                </a:solidFill>
-                <a:latin typeface="TH Sarabun New" panose="020B0500040200020003" pitchFamily="34" charset="-34"/>
-                <a:cs typeface="TH Sarabun New" panose="020B0500040200020003" pitchFamily="34" charset="-34"/>
-              </a:rPr>
-              <a:t>การนำข้อมูลออกจาก </a:t>
-            </a:r>
-            <a:r>
-              <a:rPr lang="en-US" sz="3600" b="1" dirty="0">
-                <a:solidFill>
-                  <a:srgbClr val="0000FF"/>
-                </a:solidFill>
-                <a:latin typeface="TH Sarabun New" panose="020B0500040200020003" pitchFamily="34" charset="-34"/>
-                <a:cs typeface="TH Sarabun New" panose="020B0500040200020003" pitchFamily="34" charset="-34"/>
-              </a:rPr>
-              <a:t>stack </a:t>
-            </a:r>
-            <a:r>
-              <a:rPr lang="th-TH" sz="3600" b="1" dirty="0">
-                <a:solidFill>
-                  <a:srgbClr val="0000FF"/>
-                </a:solidFill>
-                <a:latin typeface="TH Sarabun New" panose="020B0500040200020003" pitchFamily="34" charset="-34"/>
-                <a:cs typeface="TH Sarabun New" panose="020B0500040200020003" pitchFamily="34" charset="-34"/>
-              </a:rPr>
-              <a:t>เรียกว่าการ </a:t>
-            </a:r>
-            <a:r>
-              <a:rPr lang="en-US" sz="3600" b="1" dirty="0">
-                <a:solidFill>
-                  <a:srgbClr val="0000FF"/>
-                </a:solidFill>
-                <a:latin typeface="TH Sarabun New" panose="020B0500040200020003" pitchFamily="34" charset="-34"/>
-                <a:cs typeface="TH Sarabun New" panose="020B0500040200020003" pitchFamily="34" charset="-34"/>
-              </a:rPr>
-              <a:t>pop</a:t>
-            </a:r>
-          </a:p>
-          <a:p>
-            <a:pPr marL="1000125" lvl="1" indent="-542925">
-              <a:buFont typeface="Courier New" panose="02070309020205020404" pitchFamily="49" charset="0"/>
-              <a:buChar char="o"/>
-            </a:pPr>
-            <a:r>
-              <a:rPr lang="th-TH" sz="3200" b="1" dirty="0">
-                <a:solidFill>
-                  <a:srgbClr val="9900CC"/>
-                </a:solidFill>
-                <a:latin typeface="TH Sarabun New" panose="020B0500040200020003" pitchFamily="34" charset="-34"/>
-                <a:cs typeface="TH Sarabun New" panose="020B0500040200020003" pitchFamily="34" charset="-34"/>
-              </a:rPr>
-              <a:t>จะ </a:t>
-            </a:r>
-            <a:r>
-              <a:rPr lang="en-US" sz="3200" b="1" dirty="0">
-                <a:solidFill>
-                  <a:srgbClr val="9900CC"/>
-                </a:solidFill>
-                <a:latin typeface="TH Sarabun New" panose="020B0500040200020003" pitchFamily="34" charset="-34"/>
-                <a:cs typeface="TH Sarabun New" panose="020B0500040200020003" pitchFamily="34" charset="-34"/>
-              </a:rPr>
-              <a:t>pop </a:t>
-            </a:r>
-            <a:r>
-              <a:rPr lang="th-TH" sz="3200" b="1" dirty="0">
-                <a:solidFill>
-                  <a:srgbClr val="9900CC"/>
-                </a:solidFill>
-                <a:latin typeface="TH Sarabun New" panose="020B0500040200020003" pitchFamily="34" charset="-34"/>
-                <a:cs typeface="TH Sarabun New" panose="020B0500040200020003" pitchFamily="34" charset="-34"/>
-              </a:rPr>
-              <a:t>ที่ </a:t>
-            </a:r>
-            <a:r>
-              <a:rPr lang="en-US" sz="3200" b="1" dirty="0">
-                <a:solidFill>
-                  <a:srgbClr val="9900CC"/>
-                </a:solidFill>
-                <a:latin typeface="TH Sarabun New" panose="020B0500040200020003" pitchFamily="34" charset="-34"/>
-                <a:cs typeface="TH Sarabun New" panose="020B0500040200020003" pitchFamily="34" charset="-34"/>
-              </a:rPr>
-              <a:t>top of stack </a:t>
-            </a:r>
-            <a:r>
-              <a:rPr lang="th-TH" sz="3200" b="1" dirty="0">
-                <a:solidFill>
-                  <a:srgbClr val="9900CC"/>
-                </a:solidFill>
-                <a:latin typeface="TH Sarabun New" panose="020B0500040200020003" pitchFamily="34" charset="-34"/>
-                <a:cs typeface="TH Sarabun New" panose="020B0500040200020003" pitchFamily="34" charset="-34"/>
-              </a:rPr>
-              <a:t>เสมอ </a:t>
-            </a:r>
-            <a:r>
-              <a:rPr lang="en-US" sz="3600" b="1" dirty="0">
-                <a:solidFill>
-                  <a:srgbClr val="C00000"/>
-                </a:solidFill>
-                <a:latin typeface="TH Sarabun New" panose="020B0500040200020003" pitchFamily="34" charset="-34"/>
-                <a:cs typeface="TH Sarabun New" panose="020B0500040200020003" pitchFamily="34" charset="-34"/>
-              </a:rPr>
-              <a:t>(</a:t>
-            </a:r>
-            <a:r>
-              <a:rPr lang="th-TH" sz="3600" b="1" dirty="0">
-                <a:solidFill>
-                  <a:srgbClr val="C00000"/>
-                </a:solidFill>
-                <a:latin typeface="TH Sarabun New" panose="020B0500040200020003" pitchFamily="34" charset="-34"/>
-                <a:cs typeface="TH Sarabun New" panose="020B0500040200020003" pitchFamily="34" charset="-34"/>
-              </a:rPr>
-              <a:t>เสมือนการ </a:t>
-            </a:r>
-            <a:r>
-              <a:rPr lang="en-US" sz="3600" b="1" dirty="0">
-                <a:solidFill>
-                  <a:srgbClr val="C00000"/>
-                </a:solidFill>
-                <a:latin typeface="TH Sarabun New" panose="020B0500040200020003" pitchFamily="34" charset="-34"/>
-                <a:cs typeface="TH Sarabun New" panose="020B0500040200020003" pitchFamily="34" charset="-34"/>
-              </a:rPr>
-              <a:t>delete </a:t>
-            </a:r>
-            <a:r>
-              <a:rPr lang="th-TH" sz="3600" b="1" dirty="0">
-                <a:solidFill>
-                  <a:srgbClr val="C00000"/>
-                </a:solidFill>
-                <a:latin typeface="TH Sarabun New" panose="020B0500040200020003" pitchFamily="34" charset="-34"/>
-                <a:cs typeface="TH Sarabun New" panose="020B0500040200020003" pitchFamily="34" charset="-34"/>
-              </a:rPr>
-              <a:t>ข้อมูล</a:t>
-            </a:r>
-            <a:r>
-              <a:rPr lang="en-US" sz="3600" b="1" dirty="0">
-                <a:solidFill>
-                  <a:srgbClr val="C00000"/>
-                </a:solidFill>
-                <a:latin typeface="TH Sarabun New" panose="020B0500040200020003" pitchFamily="34" charset="-34"/>
-                <a:cs typeface="TH Sarabun New" panose="020B0500040200020003" pitchFamily="34" charset="-34"/>
-              </a:rPr>
-              <a:t>)</a:t>
-            </a:r>
-            <a:endParaRPr lang="en-US" sz="3600" dirty="0">
-              <a:solidFill>
-                <a:srgbClr val="C00000"/>
-              </a:solidFill>
-              <a:latin typeface="TH Sarabun New" panose="020B0500040200020003" pitchFamily="34" charset="-34"/>
-              <a:cs typeface="TH Sarabun New" panose="020B0500040200020003" pitchFamily="34" charset="-34"/>
-            </a:endParaRPr>
-          </a:p>
-        </p:txBody>
-      </p:sp>
-      <p:sp>
-        <p:nvSpPr>
-          <p:cNvPr id="4" name="Slide Number Placeholder 3"/>
-          <p:cNvSpPr>
-            <a:spLocks noGrp="1"/>
-          </p:cNvSpPr>
-          <p:nvPr>
-            <p:ph type="sldNum" sz="quarter" idx="12"/>
-          </p:nvPr>
-        </p:nvSpPr>
-        <p:spPr/>
-        <p:txBody>
-          <a:bodyPr/>
-          <a:lstStyle/>
-          <a:p>
-            <a:fld id="{E84A5D4B-0D62-4D95-B282-2FD669FE1979}" type="slidenum">
-              <a:rPr lang="th-TH" sz="3600" smtClean="0">
-                <a:latin typeface="TH Baijam" pitchFamily="2" charset="-34"/>
-                <a:cs typeface="TH Baijam" pitchFamily="2" charset="-34"/>
-              </a:rPr>
-              <a:pPr/>
-              <a:t>16</a:t>
-            </a:fld>
-            <a:endParaRPr lang="th-TH" sz="3600" dirty="0">
-              <a:latin typeface="TH Baijam" pitchFamily="2" charset="-34"/>
-              <a:cs typeface="TH Baijam" pitchFamily="2" charset="-34"/>
-            </a:endParaRPr>
-          </a:p>
-        </p:txBody>
-      </p:sp>
-    </p:spTree>
-    <p:extLst>
-      <p:ext uri="{BB962C8B-B14F-4D97-AF65-F5344CB8AC3E}">
-        <p14:creationId xmlns:p14="http://schemas.microsoft.com/office/powerpoint/2010/main" val="3589811155"/>
-      </p:ext>
-    </p:extLst>
-  </p:cSld>
-  <p:clrMapOvr>
-    <a:masterClrMapping/>
-  </p:clrMapOvr>
-</p:sld>
-</file>
-
 <file path=ppt/slides/slide17.xml><?xml version="1.0" encoding="utf-8"?>
 <p:sld xmlns:a="http://schemas.openxmlformats.org/drawingml/2006/main" xmlns:r="http://schemas.openxmlformats.org/officeDocument/2006/relationships" xmlns:p="http://schemas.openxmlformats.org/presentationml/2006/main">
   <p:cSld>
@@ -8729,7 +8595,7 @@
                 <a:latin typeface="TH Sarabun New" panose="020B0500040200020003" pitchFamily="34" charset="-34"/>
                 <a:cs typeface="TH Sarabun New" panose="020B0500040200020003" pitchFamily="34" charset="-34"/>
               </a:rPr>
-              <a:t>The Heap</a:t>
+              <a:t>The Stack</a:t>
             </a:r>
             <a:endParaRPr lang="th-TH" sz="6000" b="1" dirty="0">
               <a:solidFill>
@@ -8764,6 +8630,609 @@
             <p:ph idx="1"/>
           </p:nvPr>
         </p:nvSpPr>
+        <p:spPr>
+          <a:xfrm>
+            <a:off x="838200" y="1825625"/>
+            <a:ext cx="10515600" cy="4895850"/>
+          </a:xfrm>
+        </p:spPr>
+        <p:txBody>
+          <a:bodyPr>
+            <a:normAutofit/>
+          </a:bodyPr>
+          <a:lstStyle/>
+          <a:p>
+            <a:pPr marL="542925" indent="-542925">
+              <a:buFont typeface="Courier New" panose="02070309020205020404" pitchFamily="49" charset="0"/>
+              <a:buChar char="o"/>
+            </a:pPr>
+            <a:r>
+              <a:rPr lang="en-US" sz="3600" b="1" dirty="0">
+                <a:solidFill>
+                  <a:srgbClr val="0000FF"/>
+                </a:solidFill>
+                <a:latin typeface="TH Sarabun New" panose="020B0500040200020003" pitchFamily="34" charset="-34"/>
+                <a:cs typeface="TH Sarabun New" panose="020B0500040200020003" pitchFamily="34" charset="-34"/>
+              </a:rPr>
+              <a:t>Stack </a:t>
+            </a:r>
+            <a:r>
+              <a:rPr lang="th-TH" sz="3600" b="1" dirty="0">
+                <a:solidFill>
+                  <a:srgbClr val="0000FF"/>
+                </a:solidFill>
+                <a:latin typeface="TH Sarabun New" panose="020B0500040200020003" pitchFamily="34" charset="-34"/>
+                <a:cs typeface="TH Sarabun New" panose="020B0500040200020003" pitchFamily="34" charset="-34"/>
+              </a:rPr>
+              <a:t>ของ</a:t>
+            </a:r>
+            <a:r>
+              <a:rPr lang="en-US" sz="3600" b="1" dirty="0">
+                <a:solidFill>
+                  <a:srgbClr val="0000FF"/>
+                </a:solidFill>
+                <a:latin typeface="TH Sarabun New" panose="020B0500040200020003" pitchFamily="34" charset="-34"/>
+                <a:cs typeface="TH Sarabun New" panose="020B0500040200020003" pitchFamily="34" charset="-34"/>
+              </a:rPr>
+              <a:t> Application </a:t>
+            </a:r>
+            <a:r>
+              <a:rPr lang="th-TH" sz="3600" b="1" dirty="0">
+                <a:solidFill>
+                  <a:srgbClr val="0000FF"/>
+                </a:solidFill>
+                <a:latin typeface="TH Sarabun New" panose="020B0500040200020003" pitchFamily="34" charset="-34"/>
+                <a:cs typeface="TH Sarabun New" panose="020B0500040200020003" pitchFamily="34" charset="-34"/>
+              </a:rPr>
+              <a:t>มีหน้าที่</a:t>
+            </a:r>
+          </a:p>
+          <a:p>
+            <a:pPr marL="1000125" lvl="1" indent="-542925">
+              <a:buFont typeface="Courier New" panose="02070309020205020404" pitchFamily="49" charset="0"/>
+              <a:buChar char="o"/>
+            </a:pPr>
+            <a:r>
+              <a:rPr lang="th-TH" sz="3200" b="1" dirty="0">
+                <a:solidFill>
+                  <a:srgbClr val="9900CC"/>
+                </a:solidFill>
+                <a:latin typeface="TH Sarabun New" panose="020B0500040200020003" pitchFamily="34" charset="-34"/>
+                <a:cs typeface="TH Sarabun New" panose="020B0500040200020003" pitchFamily="34" charset="-34"/>
+              </a:rPr>
+              <a:t>เก็บข้อมูล  (ตัวแปรต่าง ๆ)</a:t>
+            </a:r>
+          </a:p>
+          <a:p>
+            <a:pPr marL="1000125" lvl="1" indent="-542925">
+              <a:buFont typeface="Courier New" panose="02070309020205020404" pitchFamily="49" charset="0"/>
+              <a:buChar char="o"/>
+            </a:pPr>
+            <a:r>
+              <a:rPr lang="th-TH" sz="3200" b="1" dirty="0">
+                <a:solidFill>
+                  <a:srgbClr val="9900CC"/>
+                </a:solidFill>
+                <a:latin typeface="TH Sarabun New" panose="020B0500040200020003" pitchFamily="34" charset="-34"/>
+                <a:cs typeface="TH Sarabun New" panose="020B0500040200020003" pitchFamily="34" charset="-34"/>
+              </a:rPr>
+              <a:t>เก็บสถานะการทำงานของ </a:t>
+            </a:r>
+            <a:r>
+              <a:rPr lang="en-US" sz="3200" b="1" dirty="0">
+                <a:solidFill>
+                  <a:srgbClr val="9900CC"/>
+                </a:solidFill>
+                <a:latin typeface="TH Sarabun New" panose="020B0500040200020003" pitchFamily="34" charset="-34"/>
+                <a:cs typeface="TH Sarabun New" panose="020B0500040200020003" pitchFamily="34" charset="-34"/>
+              </a:rPr>
+              <a:t>Application</a:t>
+            </a:r>
+          </a:p>
+          <a:p>
+            <a:pPr marL="1000125" lvl="1" indent="-542925">
+              <a:buFont typeface="Courier New" panose="02070309020205020404" pitchFamily="49" charset="0"/>
+              <a:buChar char="o"/>
+            </a:pPr>
+            <a:r>
+              <a:rPr lang="th-TH" sz="3200" b="1" dirty="0">
+                <a:solidFill>
+                  <a:srgbClr val="9900CC"/>
+                </a:solidFill>
+                <a:latin typeface="TH Sarabun New" panose="020B0500040200020003" pitchFamily="34" charset="-34"/>
+                <a:cs typeface="TH Sarabun New" panose="020B0500040200020003" pitchFamily="34" charset="-34"/>
+              </a:rPr>
+              <a:t>ส่งผ่านข้อมูล</a:t>
+            </a:r>
+            <a:r>
+              <a:rPr lang="en-US" sz="3200" b="1" dirty="0">
+                <a:solidFill>
+                  <a:srgbClr val="9900CC"/>
+                </a:solidFill>
+                <a:latin typeface="TH Sarabun New" panose="020B0500040200020003" pitchFamily="34" charset="-34"/>
+                <a:cs typeface="TH Sarabun New" panose="020B0500040200020003" pitchFamily="34" charset="-34"/>
+              </a:rPr>
+              <a:t> (parameters) </a:t>
+            </a:r>
+            <a:r>
+              <a:rPr lang="th-TH" sz="3200" b="1" dirty="0">
+                <a:solidFill>
+                  <a:srgbClr val="9900CC"/>
+                </a:solidFill>
+                <a:latin typeface="TH Sarabun New" panose="020B0500040200020003" pitchFamily="34" charset="-34"/>
+                <a:cs typeface="TH Sarabun New" panose="020B0500040200020003" pitchFamily="34" charset="-34"/>
+              </a:rPr>
+              <a:t>ไปยัง </a:t>
+            </a:r>
+            <a:r>
+              <a:rPr lang="en-US" sz="3200" b="1" dirty="0">
+                <a:solidFill>
+                  <a:srgbClr val="9900CC"/>
+                </a:solidFill>
+                <a:latin typeface="TH Sarabun New" panose="020B0500040200020003" pitchFamily="34" charset="-34"/>
+                <a:cs typeface="TH Sarabun New" panose="020B0500040200020003" pitchFamily="34" charset="-34"/>
+              </a:rPr>
+              <a:t>method</a:t>
+            </a:r>
+            <a:endParaRPr lang="th-TH" sz="3200" b="1" dirty="0">
+              <a:solidFill>
+                <a:srgbClr val="9900CC"/>
+              </a:solidFill>
+              <a:latin typeface="TH Sarabun New" panose="020B0500040200020003" pitchFamily="34" charset="-34"/>
+              <a:cs typeface="TH Sarabun New" panose="020B0500040200020003" pitchFamily="34" charset="-34"/>
+            </a:endParaRPr>
+          </a:p>
+          <a:p>
+            <a:pPr marL="542925" indent="-542925">
+              <a:buFont typeface="Courier New" panose="02070309020205020404" pitchFamily="49" charset="0"/>
+              <a:buChar char="o"/>
+            </a:pPr>
+            <a:r>
+              <a:rPr lang="th-TH" sz="3600" b="1" dirty="0">
+                <a:solidFill>
+                  <a:srgbClr val="0000FF"/>
+                </a:solidFill>
+                <a:latin typeface="TH Sarabun New" panose="020B0500040200020003" pitchFamily="34" charset="-34"/>
+                <a:cs typeface="TH Sarabun New" panose="020B0500040200020003" pitchFamily="34" charset="-34"/>
+              </a:rPr>
+              <a:t>การนำข้อมูลเข้าไปเก็บใน </a:t>
+            </a:r>
+            <a:r>
+              <a:rPr lang="en-US" sz="3600" b="1" dirty="0">
+                <a:solidFill>
+                  <a:srgbClr val="0000FF"/>
+                </a:solidFill>
+                <a:latin typeface="TH Sarabun New" panose="020B0500040200020003" pitchFamily="34" charset="-34"/>
+                <a:cs typeface="TH Sarabun New" panose="020B0500040200020003" pitchFamily="34" charset="-34"/>
+              </a:rPr>
+              <a:t>stack </a:t>
+            </a:r>
+            <a:r>
+              <a:rPr lang="th-TH" sz="3600" b="1" dirty="0">
+                <a:solidFill>
+                  <a:srgbClr val="0000FF"/>
+                </a:solidFill>
+                <a:latin typeface="TH Sarabun New" panose="020B0500040200020003" pitchFamily="34" charset="-34"/>
+                <a:cs typeface="TH Sarabun New" panose="020B0500040200020003" pitchFamily="34" charset="-34"/>
+              </a:rPr>
+              <a:t>เรียกว่าการ </a:t>
+            </a:r>
+            <a:r>
+              <a:rPr lang="en-US" sz="3600" b="1" dirty="0">
+                <a:solidFill>
+                  <a:srgbClr val="0000FF"/>
+                </a:solidFill>
+                <a:latin typeface="TH Sarabun New" panose="020B0500040200020003" pitchFamily="34" charset="-34"/>
+                <a:cs typeface="TH Sarabun New" panose="020B0500040200020003" pitchFamily="34" charset="-34"/>
+              </a:rPr>
+              <a:t>push</a:t>
+            </a:r>
+          </a:p>
+          <a:p>
+            <a:pPr marL="1000125" lvl="1" indent="-542925">
+              <a:buFont typeface="Courier New" panose="02070309020205020404" pitchFamily="49" charset="0"/>
+              <a:buChar char="o"/>
+            </a:pPr>
+            <a:r>
+              <a:rPr lang="th-TH" sz="3200" b="1" dirty="0">
+                <a:solidFill>
+                  <a:srgbClr val="9900CC"/>
+                </a:solidFill>
+                <a:latin typeface="TH Sarabun New" panose="020B0500040200020003" pitchFamily="34" charset="-34"/>
+                <a:cs typeface="TH Sarabun New" panose="020B0500040200020003" pitchFamily="34" charset="-34"/>
+              </a:rPr>
+              <a:t>จะ </a:t>
+            </a:r>
+            <a:r>
+              <a:rPr lang="en-US" sz="3200" b="1" dirty="0">
+                <a:solidFill>
+                  <a:srgbClr val="9900CC"/>
+                </a:solidFill>
+                <a:latin typeface="TH Sarabun New" panose="020B0500040200020003" pitchFamily="34" charset="-34"/>
+                <a:cs typeface="TH Sarabun New" panose="020B0500040200020003" pitchFamily="34" charset="-34"/>
+              </a:rPr>
+              <a:t>push </a:t>
+            </a:r>
+            <a:r>
+              <a:rPr lang="th-TH" sz="3200" b="1" dirty="0">
+                <a:solidFill>
+                  <a:srgbClr val="9900CC"/>
+                </a:solidFill>
+                <a:latin typeface="TH Sarabun New" panose="020B0500040200020003" pitchFamily="34" charset="-34"/>
+                <a:cs typeface="TH Sarabun New" panose="020B0500040200020003" pitchFamily="34" charset="-34"/>
+              </a:rPr>
+              <a:t>ที่ </a:t>
+            </a:r>
+            <a:r>
+              <a:rPr lang="en-US" sz="3200" b="1" dirty="0">
+                <a:solidFill>
+                  <a:srgbClr val="9900CC"/>
+                </a:solidFill>
+                <a:latin typeface="TH Sarabun New" panose="020B0500040200020003" pitchFamily="34" charset="-34"/>
+                <a:cs typeface="TH Sarabun New" panose="020B0500040200020003" pitchFamily="34" charset="-34"/>
+              </a:rPr>
+              <a:t>top of stack </a:t>
+            </a:r>
+            <a:r>
+              <a:rPr lang="th-TH" sz="3200" b="1" dirty="0">
+                <a:solidFill>
+                  <a:srgbClr val="9900CC"/>
+                </a:solidFill>
+                <a:latin typeface="TH Sarabun New" panose="020B0500040200020003" pitchFamily="34" charset="-34"/>
+                <a:cs typeface="TH Sarabun New" panose="020B0500040200020003" pitchFamily="34" charset="-34"/>
+              </a:rPr>
+              <a:t>เสมอ</a:t>
+            </a:r>
+            <a:r>
+              <a:rPr lang="en-US" sz="3200" b="1" dirty="0">
+                <a:solidFill>
+                  <a:srgbClr val="9900CC"/>
+                </a:solidFill>
+                <a:latin typeface="TH Sarabun New" panose="020B0500040200020003" pitchFamily="34" charset="-34"/>
+                <a:cs typeface="TH Sarabun New" panose="020B0500040200020003" pitchFamily="34" charset="-34"/>
+              </a:rPr>
+              <a:t> </a:t>
+            </a:r>
+            <a:r>
+              <a:rPr lang="en-US" sz="3200" b="1" dirty="0">
+                <a:solidFill>
+                  <a:srgbClr val="C00000"/>
+                </a:solidFill>
+                <a:latin typeface="TH Sarabun New" panose="020B0500040200020003" pitchFamily="34" charset="-34"/>
+                <a:cs typeface="TH Sarabun New" panose="020B0500040200020003" pitchFamily="34" charset="-34"/>
+              </a:rPr>
+              <a:t>(</a:t>
+            </a:r>
+            <a:r>
+              <a:rPr lang="th-TH" sz="3200" b="1" dirty="0">
+                <a:solidFill>
+                  <a:srgbClr val="C00000"/>
+                </a:solidFill>
+                <a:latin typeface="TH Sarabun New" panose="020B0500040200020003" pitchFamily="34" charset="-34"/>
+                <a:cs typeface="TH Sarabun New" panose="020B0500040200020003" pitchFamily="34" charset="-34"/>
+              </a:rPr>
+              <a:t>เสมือนการ </a:t>
+            </a:r>
+            <a:r>
+              <a:rPr lang="en-US" sz="3200" b="1" dirty="0">
+                <a:solidFill>
+                  <a:srgbClr val="C00000"/>
+                </a:solidFill>
+                <a:latin typeface="TH Sarabun New" panose="020B0500040200020003" pitchFamily="34" charset="-34"/>
+                <a:cs typeface="TH Sarabun New" panose="020B0500040200020003" pitchFamily="34" charset="-34"/>
+              </a:rPr>
+              <a:t>insert </a:t>
+            </a:r>
+            <a:r>
+              <a:rPr lang="th-TH" sz="3200" b="1" dirty="0">
+                <a:solidFill>
+                  <a:srgbClr val="C00000"/>
+                </a:solidFill>
+                <a:latin typeface="TH Sarabun New" panose="020B0500040200020003" pitchFamily="34" charset="-34"/>
+                <a:cs typeface="TH Sarabun New" panose="020B0500040200020003" pitchFamily="34" charset="-34"/>
+              </a:rPr>
+              <a:t>ข้อมูล</a:t>
+            </a:r>
+            <a:r>
+              <a:rPr lang="en-US" sz="3200" b="1" dirty="0">
+                <a:solidFill>
+                  <a:srgbClr val="C00000"/>
+                </a:solidFill>
+                <a:latin typeface="TH Sarabun New" panose="020B0500040200020003" pitchFamily="34" charset="-34"/>
+                <a:cs typeface="TH Sarabun New" panose="020B0500040200020003" pitchFamily="34" charset="-34"/>
+              </a:rPr>
+              <a:t>)</a:t>
+            </a:r>
+          </a:p>
+          <a:p>
+            <a:pPr marL="542925" indent="-542925">
+              <a:buFont typeface="Courier New" panose="02070309020205020404" pitchFamily="49" charset="0"/>
+              <a:buChar char="o"/>
+            </a:pPr>
+            <a:r>
+              <a:rPr lang="th-TH" sz="3600" b="1" dirty="0">
+                <a:solidFill>
+                  <a:srgbClr val="0000FF"/>
+                </a:solidFill>
+                <a:latin typeface="TH Sarabun New" panose="020B0500040200020003" pitchFamily="34" charset="-34"/>
+                <a:cs typeface="TH Sarabun New" panose="020B0500040200020003" pitchFamily="34" charset="-34"/>
+              </a:rPr>
+              <a:t>การนำข้อมูลออกจาก </a:t>
+            </a:r>
+            <a:r>
+              <a:rPr lang="en-US" sz="3600" b="1" dirty="0">
+                <a:solidFill>
+                  <a:srgbClr val="0000FF"/>
+                </a:solidFill>
+                <a:latin typeface="TH Sarabun New" panose="020B0500040200020003" pitchFamily="34" charset="-34"/>
+                <a:cs typeface="TH Sarabun New" panose="020B0500040200020003" pitchFamily="34" charset="-34"/>
+              </a:rPr>
+              <a:t>stack </a:t>
+            </a:r>
+            <a:r>
+              <a:rPr lang="th-TH" sz="3600" b="1" dirty="0">
+                <a:solidFill>
+                  <a:srgbClr val="0000FF"/>
+                </a:solidFill>
+                <a:latin typeface="TH Sarabun New" panose="020B0500040200020003" pitchFamily="34" charset="-34"/>
+                <a:cs typeface="TH Sarabun New" panose="020B0500040200020003" pitchFamily="34" charset="-34"/>
+              </a:rPr>
+              <a:t>เรียกว่าการ </a:t>
+            </a:r>
+            <a:r>
+              <a:rPr lang="en-US" sz="3600" b="1" dirty="0">
+                <a:solidFill>
+                  <a:srgbClr val="0000FF"/>
+                </a:solidFill>
+                <a:latin typeface="TH Sarabun New" panose="020B0500040200020003" pitchFamily="34" charset="-34"/>
+                <a:cs typeface="TH Sarabun New" panose="020B0500040200020003" pitchFamily="34" charset="-34"/>
+              </a:rPr>
+              <a:t>pop</a:t>
+            </a:r>
+          </a:p>
+          <a:p>
+            <a:pPr marL="1000125" lvl="1" indent="-542925">
+              <a:buFont typeface="Courier New" panose="02070309020205020404" pitchFamily="49" charset="0"/>
+              <a:buChar char="o"/>
+            </a:pPr>
+            <a:r>
+              <a:rPr lang="th-TH" sz="3200" b="1" dirty="0">
+                <a:solidFill>
+                  <a:srgbClr val="9900CC"/>
+                </a:solidFill>
+                <a:latin typeface="TH Sarabun New" panose="020B0500040200020003" pitchFamily="34" charset="-34"/>
+                <a:cs typeface="TH Sarabun New" panose="020B0500040200020003" pitchFamily="34" charset="-34"/>
+              </a:rPr>
+              <a:t>จะ </a:t>
+            </a:r>
+            <a:r>
+              <a:rPr lang="en-US" sz="3200" b="1" dirty="0">
+                <a:solidFill>
+                  <a:srgbClr val="9900CC"/>
+                </a:solidFill>
+                <a:latin typeface="TH Sarabun New" panose="020B0500040200020003" pitchFamily="34" charset="-34"/>
+                <a:cs typeface="TH Sarabun New" panose="020B0500040200020003" pitchFamily="34" charset="-34"/>
+              </a:rPr>
+              <a:t>pop </a:t>
+            </a:r>
+            <a:r>
+              <a:rPr lang="th-TH" sz="3200" b="1" dirty="0">
+                <a:solidFill>
+                  <a:srgbClr val="9900CC"/>
+                </a:solidFill>
+                <a:latin typeface="TH Sarabun New" panose="020B0500040200020003" pitchFamily="34" charset="-34"/>
+                <a:cs typeface="TH Sarabun New" panose="020B0500040200020003" pitchFamily="34" charset="-34"/>
+              </a:rPr>
+              <a:t>ที่ </a:t>
+            </a:r>
+            <a:r>
+              <a:rPr lang="en-US" sz="3200" b="1" dirty="0">
+                <a:solidFill>
+                  <a:srgbClr val="9900CC"/>
+                </a:solidFill>
+                <a:latin typeface="TH Sarabun New" panose="020B0500040200020003" pitchFamily="34" charset="-34"/>
+                <a:cs typeface="TH Sarabun New" panose="020B0500040200020003" pitchFamily="34" charset="-34"/>
+              </a:rPr>
+              <a:t>top of stack </a:t>
+            </a:r>
+            <a:r>
+              <a:rPr lang="th-TH" sz="3200" b="1" dirty="0">
+                <a:solidFill>
+                  <a:srgbClr val="9900CC"/>
+                </a:solidFill>
+                <a:latin typeface="TH Sarabun New" panose="020B0500040200020003" pitchFamily="34" charset="-34"/>
+                <a:cs typeface="TH Sarabun New" panose="020B0500040200020003" pitchFamily="34" charset="-34"/>
+              </a:rPr>
+              <a:t>เสมอ </a:t>
+            </a:r>
+            <a:r>
+              <a:rPr lang="en-US" sz="3600" b="1" dirty="0">
+                <a:solidFill>
+                  <a:srgbClr val="C00000"/>
+                </a:solidFill>
+                <a:latin typeface="TH Sarabun New" panose="020B0500040200020003" pitchFamily="34" charset="-34"/>
+                <a:cs typeface="TH Sarabun New" panose="020B0500040200020003" pitchFamily="34" charset="-34"/>
+              </a:rPr>
+              <a:t>(</a:t>
+            </a:r>
+            <a:r>
+              <a:rPr lang="th-TH" sz="3600" b="1" dirty="0">
+                <a:solidFill>
+                  <a:srgbClr val="C00000"/>
+                </a:solidFill>
+                <a:latin typeface="TH Sarabun New" panose="020B0500040200020003" pitchFamily="34" charset="-34"/>
+                <a:cs typeface="TH Sarabun New" panose="020B0500040200020003" pitchFamily="34" charset="-34"/>
+              </a:rPr>
+              <a:t>เสมือนการ </a:t>
+            </a:r>
+            <a:r>
+              <a:rPr lang="en-US" sz="3600" b="1" dirty="0">
+                <a:solidFill>
+                  <a:srgbClr val="C00000"/>
+                </a:solidFill>
+                <a:latin typeface="TH Sarabun New" panose="020B0500040200020003" pitchFamily="34" charset="-34"/>
+                <a:cs typeface="TH Sarabun New" panose="020B0500040200020003" pitchFamily="34" charset="-34"/>
+              </a:rPr>
+              <a:t>delete </a:t>
+            </a:r>
+            <a:r>
+              <a:rPr lang="th-TH" sz="3600" b="1" dirty="0">
+                <a:solidFill>
+                  <a:srgbClr val="C00000"/>
+                </a:solidFill>
+                <a:latin typeface="TH Sarabun New" panose="020B0500040200020003" pitchFamily="34" charset="-34"/>
+                <a:cs typeface="TH Sarabun New" panose="020B0500040200020003" pitchFamily="34" charset="-34"/>
+              </a:rPr>
+              <a:t>ข้อมูล</a:t>
+            </a:r>
+            <a:r>
+              <a:rPr lang="en-US" sz="3600" b="1" dirty="0">
+                <a:solidFill>
+                  <a:srgbClr val="C00000"/>
+                </a:solidFill>
+                <a:latin typeface="TH Sarabun New" panose="020B0500040200020003" pitchFamily="34" charset="-34"/>
+                <a:cs typeface="TH Sarabun New" panose="020B0500040200020003" pitchFamily="34" charset="-34"/>
+              </a:rPr>
+              <a:t>)</a:t>
+            </a:r>
+            <a:endParaRPr lang="en-US" sz="3600" dirty="0">
+              <a:solidFill>
+                <a:srgbClr val="C00000"/>
+              </a:solidFill>
+              <a:latin typeface="TH Sarabun New" panose="020B0500040200020003" pitchFamily="34" charset="-34"/>
+              <a:cs typeface="TH Sarabun New" panose="020B0500040200020003" pitchFamily="34" charset="-34"/>
+            </a:endParaRPr>
+          </a:p>
+        </p:txBody>
+      </p:sp>
+      <p:sp>
+        <p:nvSpPr>
+          <p:cNvPr id="4" name="Slide Number Placeholder 3"/>
+          <p:cNvSpPr>
+            <a:spLocks noGrp="1"/>
+          </p:cNvSpPr>
+          <p:nvPr>
+            <p:ph type="sldNum" sz="quarter" idx="12"/>
+          </p:nvPr>
+        </p:nvSpPr>
+        <p:spPr/>
+        <p:txBody>
+          <a:bodyPr/>
+          <a:lstStyle/>
+          <a:p>
+            <a:fld id="{E84A5D4B-0D62-4D95-B282-2FD669FE1979}" type="slidenum">
+              <a:rPr lang="th-TH" sz="3600" smtClean="0">
+                <a:latin typeface="TH Baijam" pitchFamily="2" charset="-34"/>
+                <a:cs typeface="TH Baijam" pitchFamily="2" charset="-34"/>
+              </a:rPr>
+              <a:pPr/>
+              <a:t>17</a:t>
+            </a:fld>
+            <a:endParaRPr lang="th-TH" sz="3600" dirty="0">
+              <a:latin typeface="TH Baijam" pitchFamily="2" charset="-34"/>
+              <a:cs typeface="TH Baijam" pitchFamily="2" charset="-34"/>
+            </a:endParaRPr>
+          </a:p>
+        </p:txBody>
+      </p:sp>
+    </p:spTree>
+    <p:extLst>
+      <p:ext uri="{BB962C8B-B14F-4D97-AF65-F5344CB8AC3E}">
+        <p14:creationId xmlns:p14="http://schemas.microsoft.com/office/powerpoint/2010/main" val="3589811155"/>
+      </p:ext>
+    </p:extLst>
+  </p:cSld>
+  <p:clrMapOvr>
+    <a:masterClrMapping/>
+  </p:clrMapOvr>
+</p:sld>
+</file>
+
+<file path=ppt/slides/slide18.xml><?xml version="1.0" encoding="utf-8"?>
+<p:sld xmlns:a="http://schemas.openxmlformats.org/drawingml/2006/main" xmlns:r="http://schemas.openxmlformats.org/officeDocument/2006/relationships" xmlns:p="http://schemas.openxmlformats.org/presentationml/2006/main">
+  <p:cSld>
+    <p:spTree>
+      <p:nvGrpSpPr>
+        <p:cNvPr id="1" name=""/>
+        <p:cNvGrpSpPr/>
+        <p:nvPr/>
+      </p:nvGrpSpPr>
+      <p:grpSpPr>
+        <a:xfrm>
+          <a:off x="0" y="0"/>
+          <a:ext cx="0" cy="0"/>
+          <a:chOff x="0" y="0"/>
+          <a:chExt cx="0" cy="0"/>
+        </a:xfrm>
+      </p:grpSpPr>
+      <p:sp>
+        <p:nvSpPr>
+          <p:cNvPr id="2" name="Title 1"/>
+          <p:cNvSpPr>
+            <a:spLocks noGrp="1"/>
+          </p:cNvSpPr>
+          <p:nvPr>
+            <p:ph type="title"/>
+          </p:nvPr>
+        </p:nvSpPr>
+        <p:spPr/>
+        <p:txBody>
+          <a:bodyPr/>
+          <a:lstStyle/>
+          <a:p>
+            <a:pPr>
+              <a:defRPr/>
+            </a:pPr>
+            <a:r>
+              <a:rPr lang="en-US" sz="6000" b="1" dirty="0">
+                <a:solidFill>
+                  <a:srgbClr val="0070C0"/>
+                </a:solidFill>
+                <a:effectLst>
+                  <a:outerShdw blurRad="38100" dist="38100" dir="2700000" algn="tl">
+                    <a:srgbClr val="000000">
+                      <a:alpha val="43137"/>
+                    </a:srgbClr>
+                  </a:outerShdw>
+                </a:effectLst>
+                <a:latin typeface="TH Sarabun New" panose="020B0500040200020003" pitchFamily="34" charset="-34"/>
+                <a:cs typeface="TH Sarabun New" panose="020B0500040200020003" pitchFamily="34" charset="-34"/>
+              </a:rPr>
+              <a:t>The Heap</a:t>
+            </a:r>
+            <a:endParaRPr lang="th-TH" sz="6000" b="1" dirty="0">
+              <a:solidFill>
+                <a:srgbClr val="0070C0"/>
+              </a:solidFill>
+              <a:effectLst>
+                <a:outerShdw blurRad="38100" dist="38100" dir="2700000" algn="tl">
+                  <a:srgbClr val="000000">
+                    <a:alpha val="43137"/>
+                  </a:srgbClr>
+                </a:outerShdw>
+              </a:effectLst>
+              <a:latin typeface="TH Sarabun New" panose="020B0500040200020003" pitchFamily="34" charset="-34"/>
+              <a:cs typeface="TH Sarabun New" panose="020B0500040200020003" pitchFamily="34" charset="-34"/>
+            </a:endParaRPr>
+          </a:p>
+        </p:txBody>
+      </p:sp>
+      <p:sp>
+        <p:nvSpPr>
+          <p:cNvPr id="3" name="Content Placeholder 2">
+            <a:extLst>
+              <a:ext uri="{FF2B5EF4-FFF2-40B4-BE49-F238E27FC236}">
+                <a16:creationId xmlns:a16="http://schemas.microsoft.com/office/drawing/2014/main" id="{34C9BD23-1E1B-4304-A8D3-F878186970D6}"/>
+              </a:ext>
+            </a:extLst>
+          </p:cNvPr>
+          <p:cNvSpPr>
+            <a:spLocks noGrp="1"/>
+          </p:cNvSpPr>
+          <p:nvPr>
+            <p:ph idx="1"/>
+          </p:nvPr>
+        </p:nvSpPr>
         <p:spPr/>
         <p:txBody>
           <a:bodyPr>
@@ -8908,7 +9377,7 @@
                 <a:cs typeface="TH Baijam" pitchFamily="2" charset="-34"/>
               </a:rPr>
               <a:pPr/>
-              <a:t>17</a:t>
+              <a:t>18</a:t>
             </a:fld>
             <a:endParaRPr lang="th-TH" sz="3600" dirty="0">
               <a:latin typeface="TH Baijam" pitchFamily="2" charset="-34"/>
@@ -8966,7 +9435,7 @@
 </p:sld>
 </file>
 
-<file path=ppt/slides/slide18.xml><?xml version="1.0" encoding="utf-8"?>
+<file path=ppt/slides/slide19.xml><?xml version="1.0" encoding="utf-8"?>
 <p:sld xmlns:a="http://schemas.openxmlformats.org/drawingml/2006/main" xmlns:r="http://schemas.openxmlformats.org/officeDocument/2006/relationships" xmlns:p="http://schemas.openxmlformats.org/presentationml/2006/main">
   <p:cSld>
     <p:spTree>
@@ -9163,7 +9632,7 @@
                 <a:cs typeface="TH Baijam" pitchFamily="2" charset="-34"/>
               </a:rPr>
               <a:pPr/>
-              <a:t>18</a:t>
+              <a:t>19</a:t>
             </a:fld>
             <a:endParaRPr lang="th-TH" sz="3600" dirty="0">
               <a:latin typeface="TH Baijam" pitchFamily="2" charset="-34"/>
@@ -9221,7 +9690,7 @@
 </p:sld>
 </file>
 
-<file path=ppt/slides/slide19.xml><?xml version="1.0" encoding="utf-8"?>
+<file path=ppt/slides/slide2.xml><?xml version="1.0" encoding="utf-8"?>
 <p:sld xmlns:a="http://schemas.openxmlformats.org/drawingml/2006/main" xmlns:r="http://schemas.openxmlformats.org/officeDocument/2006/relationships" xmlns:p="http://schemas.openxmlformats.org/presentationml/2006/main">
   <p:cSld>
     <p:spTree>
@@ -9257,6 +9726,264 @@
               <a:defRPr/>
             </a:pPr>
             <a:r>
+              <a:rPr lang="th-TH" sz="6000" b="1" dirty="0">
+                <a:solidFill>
+                  <a:srgbClr val="0070C0"/>
+                </a:solidFill>
+                <a:effectLst>
+                  <a:outerShdw blurRad="38100" dist="38100" dir="2700000" algn="tl">
+                    <a:srgbClr val="000000">
+                      <a:alpha val="43137"/>
+                    </a:srgbClr>
+                  </a:outerShdw>
+                </a:effectLst>
+                <a:latin typeface="TH Sarabun New" panose="020B0500040200020003" pitchFamily="34" charset="-34"/>
+                <a:cs typeface="TH Sarabun New" panose="020B0500040200020003" pitchFamily="34" charset="-34"/>
+              </a:rPr>
+              <a:t>เรื่องที่จะศึกษา</a:t>
+            </a:r>
+          </a:p>
+        </p:txBody>
+      </p:sp>
+      <p:sp>
+        <p:nvSpPr>
+          <p:cNvPr id="3" name="Content Placeholder 2"/>
+          <p:cNvSpPr>
+            <a:spLocks noGrp="1"/>
+          </p:cNvSpPr>
+          <p:nvPr>
+            <p:ph sz="quarter" idx="1"/>
+          </p:nvPr>
+        </p:nvSpPr>
+        <p:spPr/>
+        <p:txBody>
+          <a:bodyPr/>
+          <a:lstStyle/>
+          <a:p>
+            <a:pPr lvl="1" indent="-685800" fontAlgn="base">
+              <a:spcAft>
+                <a:spcPct val="0"/>
+              </a:spcAft>
+              <a:buClr>
+                <a:srgbClr val="FF0000"/>
+              </a:buClr>
+              <a:buFont typeface="Courier New" panose="02070309020205020404" pitchFamily="49" charset="0"/>
+              <a:buChar char="o"/>
+            </a:pPr>
+            <a:r>
+              <a:rPr lang="en-US" sz="4800" b="1" dirty="0">
+                <a:solidFill>
+                  <a:srgbClr val="3333FF"/>
+                </a:solidFill>
+                <a:effectLst>
+                  <a:outerShdw blurRad="38100" dist="38100" dir="2700000" algn="tl">
+                    <a:srgbClr val="000000">
+                      <a:alpha val="43137"/>
+                    </a:srgbClr>
+                  </a:outerShdw>
+                </a:effectLst>
+                <a:latin typeface="TH Sarabun New" panose="020B0500040200020003" pitchFamily="34" charset="-34"/>
+                <a:cs typeface="TH Sarabun New" panose="020B0500040200020003" pitchFamily="34" charset="-34"/>
+              </a:rPr>
+              <a:t>Types, </a:t>
+            </a:r>
+            <a:r>
+              <a:rPr lang="en-US" sz="4800" b="1" dirty="0">
+                <a:solidFill>
+                  <a:srgbClr val="00B0F0"/>
+                </a:solidFill>
+                <a:effectLst>
+                  <a:outerShdw blurRad="38100" dist="38100" dir="2700000" algn="tl">
+                    <a:srgbClr val="000000">
+                      <a:alpha val="43137"/>
+                    </a:srgbClr>
+                  </a:outerShdw>
+                </a:effectLst>
+                <a:latin typeface="TH Sarabun New" panose="020B0500040200020003" pitchFamily="34" charset="-34"/>
+                <a:cs typeface="TH Sarabun New" panose="020B0500040200020003" pitchFamily="34" charset="-34"/>
+              </a:rPr>
+              <a:t>predefined and user-defined type</a:t>
+            </a:r>
+          </a:p>
+          <a:p>
+            <a:pPr lvl="1" indent="-685800" fontAlgn="base">
+              <a:spcAft>
+                <a:spcPct val="0"/>
+              </a:spcAft>
+              <a:buClr>
+                <a:srgbClr val="FF0000"/>
+              </a:buClr>
+              <a:buFont typeface="Courier New" panose="02070309020205020404" pitchFamily="49" charset="0"/>
+              <a:buChar char="o"/>
+            </a:pPr>
+            <a:r>
+              <a:rPr lang="en-US" sz="4800" b="1" dirty="0">
+                <a:solidFill>
+                  <a:srgbClr val="3333FF"/>
+                </a:solidFill>
+                <a:effectLst>
+                  <a:outerShdw blurRad="38100" dist="38100" dir="2700000" algn="tl">
+                    <a:srgbClr val="000000">
+                      <a:alpha val="43137"/>
+                    </a:srgbClr>
+                  </a:outerShdw>
+                </a:effectLst>
+                <a:latin typeface="TH Sarabun New" panose="020B0500040200020003" pitchFamily="34" charset="-34"/>
+                <a:cs typeface="TH Sarabun New" panose="020B0500040200020003" pitchFamily="34" charset="-34"/>
+              </a:rPr>
+              <a:t>The Stack and the Heap</a:t>
+            </a:r>
+          </a:p>
+          <a:p>
+            <a:pPr lvl="1" indent="-685800" fontAlgn="base">
+              <a:spcAft>
+                <a:spcPct val="0"/>
+              </a:spcAft>
+              <a:buClr>
+                <a:srgbClr val="FF0000"/>
+              </a:buClr>
+              <a:buFont typeface="Courier New" panose="02070309020205020404" pitchFamily="49" charset="0"/>
+              <a:buChar char="o"/>
+            </a:pPr>
+            <a:r>
+              <a:rPr lang="en-US" sz="4800" b="1" dirty="0">
+                <a:solidFill>
+                  <a:srgbClr val="3333FF"/>
+                </a:solidFill>
+                <a:effectLst>
+                  <a:outerShdw blurRad="38100" dist="38100" dir="2700000" algn="tl">
+                    <a:srgbClr val="000000">
+                      <a:alpha val="43137"/>
+                    </a:srgbClr>
+                  </a:outerShdw>
+                </a:effectLst>
+                <a:latin typeface="TH Sarabun New" panose="020B0500040200020003" pitchFamily="34" charset="-34"/>
+                <a:cs typeface="TH Sarabun New" panose="020B0500040200020003" pitchFamily="34" charset="-34"/>
+              </a:rPr>
+              <a:t>Value Types and Reference Types</a:t>
+            </a:r>
+          </a:p>
+          <a:p>
+            <a:pPr marL="0" lvl="1" indent="0" fontAlgn="base">
+              <a:spcAft>
+                <a:spcPct val="0"/>
+              </a:spcAft>
+              <a:buClr>
+                <a:srgbClr val="FF0000"/>
+              </a:buClr>
+              <a:buNone/>
+            </a:pPr>
+            <a:endParaRPr lang="en-US" sz="4800" dirty="0">
+              <a:solidFill>
+                <a:srgbClr val="3333FF"/>
+              </a:solidFill>
+              <a:effectLst>
+                <a:outerShdw blurRad="38100" dist="38100" dir="2700000" algn="tl">
+                  <a:srgbClr val="000000">
+                    <a:alpha val="43137"/>
+                  </a:srgbClr>
+                </a:outerShdw>
+              </a:effectLst>
+              <a:latin typeface="TH Sarabun New" panose="020B0500040200020003" pitchFamily="34" charset="-34"/>
+              <a:cs typeface="TH Sarabun New" panose="020B0500040200020003" pitchFamily="34" charset="-34"/>
+            </a:endParaRPr>
+          </a:p>
+          <a:p>
+            <a:pPr marL="0" lvl="1" indent="0" fontAlgn="base">
+              <a:spcAft>
+                <a:spcPct val="0"/>
+              </a:spcAft>
+              <a:buClr>
+                <a:srgbClr val="FF0000"/>
+              </a:buClr>
+              <a:buNone/>
+            </a:pPr>
+            <a:endParaRPr lang="th-TH" dirty="0">
+              <a:latin typeface="TH Baijam" pitchFamily="2" charset="-34"/>
+              <a:cs typeface="TH Baijam" pitchFamily="2" charset="-34"/>
+            </a:endParaRPr>
+          </a:p>
+        </p:txBody>
+      </p:sp>
+      <p:sp>
+        <p:nvSpPr>
+          <p:cNvPr id="4" name="Slide Number Placeholder 3"/>
+          <p:cNvSpPr>
+            <a:spLocks noGrp="1"/>
+          </p:cNvSpPr>
+          <p:nvPr>
+            <p:ph type="sldNum" sz="quarter" idx="12"/>
+          </p:nvPr>
+        </p:nvSpPr>
+        <p:spPr/>
+        <p:txBody>
+          <a:bodyPr/>
+          <a:lstStyle/>
+          <a:p>
+            <a:fld id="{E84A5D4B-0D62-4D95-B282-2FD669FE1979}" type="slidenum">
+              <a:rPr lang="th-TH" sz="3600" smtClean="0">
+                <a:latin typeface="TH Baijam" pitchFamily="2" charset="-34"/>
+                <a:cs typeface="TH Baijam" pitchFamily="2" charset="-34"/>
+              </a:rPr>
+              <a:pPr/>
+              <a:t>2</a:t>
+            </a:fld>
+            <a:endParaRPr lang="th-TH" sz="3600" dirty="0">
+              <a:latin typeface="TH Baijam" pitchFamily="2" charset="-34"/>
+              <a:cs typeface="TH Baijam" pitchFamily="2" charset="-34"/>
+            </a:endParaRPr>
+          </a:p>
+        </p:txBody>
+      </p:sp>
+    </p:spTree>
+    <p:extLst>
+      <p:ext uri="{BB962C8B-B14F-4D97-AF65-F5344CB8AC3E}">
+        <p14:creationId xmlns:p14="http://schemas.microsoft.com/office/powerpoint/2010/main" val="3160286541"/>
+      </p:ext>
+    </p:extLst>
+  </p:cSld>
+  <p:clrMapOvr>
+    <a:masterClrMapping/>
+  </p:clrMapOvr>
+</p:sld>
+</file>
+
+<file path=ppt/slides/slide20.xml><?xml version="1.0" encoding="utf-8"?>
+<p:sld xmlns:a="http://schemas.openxmlformats.org/drawingml/2006/main" xmlns:r="http://schemas.openxmlformats.org/officeDocument/2006/relationships" xmlns:p="http://schemas.openxmlformats.org/presentationml/2006/main">
+  <p:cSld>
+    <p:spTree>
+      <p:nvGrpSpPr>
+        <p:cNvPr id="1" name=""/>
+        <p:cNvGrpSpPr/>
+        <p:nvPr/>
+      </p:nvGrpSpPr>
+      <p:grpSpPr>
+        <a:xfrm>
+          <a:off x="0" y="0"/>
+          <a:ext cx="0" cy="0"/>
+          <a:chOff x="0" y="0"/>
+          <a:chExt cx="0" cy="0"/>
+        </a:xfrm>
+      </p:grpSpPr>
+      <p:sp>
+        <p:nvSpPr>
+          <p:cNvPr id="2" name="Title 1"/>
+          <p:cNvSpPr>
+            <a:spLocks noGrp="1"/>
+          </p:cNvSpPr>
+          <p:nvPr>
+            <p:ph type="title"/>
+          </p:nvPr>
+        </p:nvSpPr>
+        <p:spPr/>
+        <p:txBody>
+          <a:bodyPr/>
+          <a:lstStyle/>
+          <a:p>
+            <a:pPr>
+              <a:defRPr/>
+            </a:pPr>
+            <a:r>
               <a:rPr lang="en-US" sz="6000" b="1" dirty="0">
                 <a:solidFill>
                   <a:srgbClr val="0070C0"/>
@@ -9311,7 +10038,7 @@
                 <a:cs typeface="TH Baijam" pitchFamily="2" charset="-34"/>
               </a:rPr>
               <a:pPr/>
-              <a:t>19</a:t>
+              <a:t>20</a:t>
             </a:fld>
             <a:endParaRPr lang="th-TH" sz="3600" dirty="0">
               <a:latin typeface="TH Baijam" pitchFamily="2" charset="-34"/>
@@ -9369,525 +10096,6 @@
 </p:sld>
 </file>
 
-<file path=ppt/slides/slide2.xml><?xml version="1.0" encoding="utf-8"?>
-<p:sld xmlns:a="http://schemas.openxmlformats.org/drawingml/2006/main" xmlns:r="http://schemas.openxmlformats.org/officeDocument/2006/relationships" xmlns:p="http://schemas.openxmlformats.org/presentationml/2006/main">
-  <p:cSld>
-    <p:spTree>
-      <p:nvGrpSpPr>
-        <p:cNvPr id="1" name=""/>
-        <p:cNvGrpSpPr/>
-        <p:nvPr/>
-      </p:nvGrpSpPr>
-      <p:grpSpPr>
-        <a:xfrm>
-          <a:off x="0" y="0"/>
-          <a:ext cx="0" cy="0"/>
-          <a:chOff x="0" y="0"/>
-          <a:chExt cx="0" cy="0"/>
-        </a:xfrm>
-      </p:grpSpPr>
-      <p:sp>
-        <p:nvSpPr>
-          <p:cNvPr id="2" name="Title 1"/>
-          <p:cNvSpPr>
-            <a:spLocks noGrp="1"/>
-          </p:cNvSpPr>
-          <p:nvPr>
-            <p:ph type="title"/>
-          </p:nvPr>
-        </p:nvSpPr>
-        <p:spPr/>
-        <p:txBody>
-          <a:bodyPr/>
-          <a:lstStyle/>
-          <a:p>
-            <a:pPr>
-              <a:defRPr/>
-            </a:pPr>
-            <a:r>
-              <a:rPr lang="th-TH" sz="6000" b="1" dirty="0">
-                <a:solidFill>
-                  <a:srgbClr val="0070C0"/>
-                </a:solidFill>
-                <a:effectLst>
-                  <a:outerShdw blurRad="38100" dist="38100" dir="2700000" algn="tl">
-                    <a:srgbClr val="000000">
-                      <a:alpha val="43137"/>
-                    </a:srgbClr>
-                  </a:outerShdw>
-                </a:effectLst>
-                <a:latin typeface="TH Sarabun New" panose="020B0500040200020003" pitchFamily="34" charset="-34"/>
-                <a:cs typeface="TH Sarabun New" panose="020B0500040200020003" pitchFamily="34" charset="-34"/>
-              </a:rPr>
-              <a:t>เรื่องที่จะศึกษา</a:t>
-            </a:r>
-          </a:p>
-        </p:txBody>
-      </p:sp>
-      <p:sp>
-        <p:nvSpPr>
-          <p:cNvPr id="3" name="Content Placeholder 2"/>
-          <p:cNvSpPr>
-            <a:spLocks noGrp="1"/>
-          </p:cNvSpPr>
-          <p:nvPr>
-            <p:ph sz="quarter" idx="1"/>
-          </p:nvPr>
-        </p:nvSpPr>
-        <p:spPr/>
-        <p:txBody>
-          <a:bodyPr/>
-          <a:lstStyle/>
-          <a:p>
-            <a:pPr lvl="1" indent="-685800" fontAlgn="base">
-              <a:spcAft>
-                <a:spcPct val="0"/>
-              </a:spcAft>
-              <a:buClr>
-                <a:srgbClr val="FF0000"/>
-              </a:buClr>
-              <a:buFont typeface="Courier New" panose="02070309020205020404" pitchFamily="49" charset="0"/>
-              <a:buChar char="o"/>
-            </a:pPr>
-            <a:r>
-              <a:rPr lang="en-US" sz="4800" b="1" dirty="0">
-                <a:solidFill>
-                  <a:srgbClr val="3333FF"/>
-                </a:solidFill>
-                <a:effectLst>
-                  <a:outerShdw blurRad="38100" dist="38100" dir="2700000" algn="tl">
-                    <a:srgbClr val="000000">
-                      <a:alpha val="43137"/>
-                    </a:srgbClr>
-                  </a:outerShdw>
-                </a:effectLst>
-                <a:latin typeface="TH Sarabun New" panose="020B0500040200020003" pitchFamily="34" charset="-34"/>
-                <a:cs typeface="TH Sarabun New" panose="020B0500040200020003" pitchFamily="34" charset="-34"/>
-              </a:rPr>
-              <a:t>Types, </a:t>
-            </a:r>
-            <a:r>
-              <a:rPr lang="en-US" sz="4800" b="1" dirty="0">
-                <a:solidFill>
-                  <a:srgbClr val="00B0F0"/>
-                </a:solidFill>
-                <a:effectLst>
-                  <a:outerShdw blurRad="38100" dist="38100" dir="2700000" algn="tl">
-                    <a:srgbClr val="000000">
-                      <a:alpha val="43137"/>
-                    </a:srgbClr>
-                  </a:outerShdw>
-                </a:effectLst>
-                <a:latin typeface="TH Sarabun New" panose="020B0500040200020003" pitchFamily="34" charset="-34"/>
-                <a:cs typeface="TH Sarabun New" panose="020B0500040200020003" pitchFamily="34" charset="-34"/>
-              </a:rPr>
-              <a:t>predefined and user-defined type</a:t>
-            </a:r>
-          </a:p>
-          <a:p>
-            <a:pPr lvl="1" indent="-685800" fontAlgn="base">
-              <a:spcAft>
-                <a:spcPct val="0"/>
-              </a:spcAft>
-              <a:buClr>
-                <a:srgbClr val="FF0000"/>
-              </a:buClr>
-              <a:buFont typeface="Courier New" panose="02070309020205020404" pitchFamily="49" charset="0"/>
-              <a:buChar char="o"/>
-            </a:pPr>
-            <a:r>
-              <a:rPr lang="en-US" sz="4800" b="1" dirty="0">
-                <a:solidFill>
-                  <a:srgbClr val="3333FF"/>
-                </a:solidFill>
-                <a:effectLst>
-                  <a:outerShdw blurRad="38100" dist="38100" dir="2700000" algn="tl">
-                    <a:srgbClr val="000000">
-                      <a:alpha val="43137"/>
-                    </a:srgbClr>
-                  </a:outerShdw>
-                </a:effectLst>
-                <a:latin typeface="TH Sarabun New" panose="020B0500040200020003" pitchFamily="34" charset="-34"/>
-                <a:cs typeface="TH Sarabun New" panose="020B0500040200020003" pitchFamily="34" charset="-34"/>
-              </a:rPr>
-              <a:t>The Stack and the Heap</a:t>
-            </a:r>
-          </a:p>
-          <a:p>
-            <a:pPr lvl="1" indent="-685800" fontAlgn="base">
-              <a:spcAft>
-                <a:spcPct val="0"/>
-              </a:spcAft>
-              <a:buClr>
-                <a:srgbClr val="FF0000"/>
-              </a:buClr>
-              <a:buFont typeface="Courier New" panose="02070309020205020404" pitchFamily="49" charset="0"/>
-              <a:buChar char="o"/>
-            </a:pPr>
-            <a:r>
-              <a:rPr lang="en-US" sz="4800" b="1" dirty="0">
-                <a:solidFill>
-                  <a:srgbClr val="3333FF"/>
-                </a:solidFill>
-                <a:effectLst>
-                  <a:outerShdw blurRad="38100" dist="38100" dir="2700000" algn="tl">
-                    <a:srgbClr val="000000">
-                      <a:alpha val="43137"/>
-                    </a:srgbClr>
-                  </a:outerShdw>
-                </a:effectLst>
-                <a:latin typeface="TH Sarabun New" panose="020B0500040200020003" pitchFamily="34" charset="-34"/>
-                <a:cs typeface="TH Sarabun New" panose="020B0500040200020003" pitchFamily="34" charset="-34"/>
-              </a:rPr>
-              <a:t>Value Types and Reference Types</a:t>
-            </a:r>
-          </a:p>
-          <a:p>
-            <a:pPr marL="0" lvl="1" indent="0" fontAlgn="base">
-              <a:spcAft>
-                <a:spcPct val="0"/>
-              </a:spcAft>
-              <a:buClr>
-                <a:srgbClr val="FF0000"/>
-              </a:buClr>
-              <a:buNone/>
-            </a:pPr>
-            <a:endParaRPr lang="en-US" sz="4800" dirty="0">
-              <a:solidFill>
-                <a:srgbClr val="3333FF"/>
-              </a:solidFill>
-              <a:effectLst>
-                <a:outerShdw blurRad="38100" dist="38100" dir="2700000" algn="tl">
-                  <a:srgbClr val="000000">
-                    <a:alpha val="43137"/>
-                  </a:srgbClr>
-                </a:outerShdw>
-              </a:effectLst>
-              <a:latin typeface="TH Sarabun New" panose="020B0500040200020003" pitchFamily="34" charset="-34"/>
-              <a:cs typeface="TH Sarabun New" panose="020B0500040200020003" pitchFamily="34" charset="-34"/>
-            </a:endParaRPr>
-          </a:p>
-          <a:p>
-            <a:pPr marL="0" lvl="1" indent="0" fontAlgn="base">
-              <a:spcAft>
-                <a:spcPct val="0"/>
-              </a:spcAft>
-              <a:buClr>
-                <a:srgbClr val="FF0000"/>
-              </a:buClr>
-              <a:buNone/>
-            </a:pPr>
-            <a:endParaRPr lang="th-TH" dirty="0">
-              <a:latin typeface="TH Baijam" pitchFamily="2" charset="-34"/>
-              <a:cs typeface="TH Baijam" pitchFamily="2" charset="-34"/>
-            </a:endParaRPr>
-          </a:p>
-        </p:txBody>
-      </p:sp>
-      <p:sp>
-        <p:nvSpPr>
-          <p:cNvPr id="4" name="Slide Number Placeholder 3"/>
-          <p:cNvSpPr>
-            <a:spLocks noGrp="1"/>
-          </p:cNvSpPr>
-          <p:nvPr>
-            <p:ph type="sldNum" sz="quarter" idx="12"/>
-          </p:nvPr>
-        </p:nvSpPr>
-        <p:spPr/>
-        <p:txBody>
-          <a:bodyPr/>
-          <a:lstStyle/>
-          <a:p>
-            <a:fld id="{E84A5D4B-0D62-4D95-B282-2FD669FE1979}" type="slidenum">
-              <a:rPr lang="th-TH" sz="3600" smtClean="0">
-                <a:latin typeface="TH Baijam" pitchFamily="2" charset="-34"/>
-                <a:cs typeface="TH Baijam" pitchFamily="2" charset="-34"/>
-              </a:rPr>
-              <a:pPr/>
-              <a:t>2</a:t>
-            </a:fld>
-            <a:endParaRPr lang="th-TH" sz="3600" dirty="0">
-              <a:latin typeface="TH Baijam" pitchFamily="2" charset="-34"/>
-              <a:cs typeface="TH Baijam" pitchFamily="2" charset="-34"/>
-            </a:endParaRPr>
-          </a:p>
-        </p:txBody>
-      </p:sp>
-    </p:spTree>
-    <p:extLst>
-      <p:ext uri="{BB962C8B-B14F-4D97-AF65-F5344CB8AC3E}">
-        <p14:creationId xmlns:p14="http://schemas.microsoft.com/office/powerpoint/2010/main" val="3160286541"/>
-      </p:ext>
-    </p:extLst>
-  </p:cSld>
-  <p:clrMapOvr>
-    <a:masterClrMapping/>
-  </p:clrMapOvr>
-</p:sld>
-</file>
-
-<file path=ppt/slides/slide20.xml><?xml version="1.0" encoding="utf-8"?>
-<p:sld xmlns:a="http://schemas.openxmlformats.org/drawingml/2006/main" xmlns:r="http://schemas.openxmlformats.org/officeDocument/2006/relationships" xmlns:p="http://schemas.openxmlformats.org/presentationml/2006/main">
-  <p:cSld>
-    <p:spTree>
-      <p:nvGrpSpPr>
-        <p:cNvPr id="1" name=""/>
-        <p:cNvGrpSpPr/>
-        <p:nvPr/>
-      </p:nvGrpSpPr>
-      <p:grpSpPr>
-        <a:xfrm>
-          <a:off x="0" y="0"/>
-          <a:ext cx="0" cy="0"/>
-          <a:chOff x="0" y="0"/>
-          <a:chExt cx="0" cy="0"/>
-        </a:xfrm>
-      </p:grpSpPr>
-      <p:sp>
-        <p:nvSpPr>
-          <p:cNvPr id="2" name="Title 1"/>
-          <p:cNvSpPr>
-            <a:spLocks noGrp="1"/>
-          </p:cNvSpPr>
-          <p:nvPr>
-            <p:ph type="title"/>
-          </p:nvPr>
-        </p:nvSpPr>
-        <p:spPr/>
-        <p:txBody>
-          <a:bodyPr/>
-          <a:lstStyle/>
-          <a:p>
-            <a:pPr>
-              <a:defRPr/>
-            </a:pPr>
-            <a:r>
-              <a:rPr lang="en-US" sz="6000" b="1" dirty="0">
-                <a:solidFill>
-                  <a:srgbClr val="0070C0"/>
-                </a:solidFill>
-                <a:effectLst>
-                  <a:outerShdw blurRad="38100" dist="38100" dir="2700000" algn="tl">
-                    <a:srgbClr val="000000">
-                      <a:alpha val="43137"/>
-                    </a:srgbClr>
-                  </a:outerShdw>
-                </a:effectLst>
-                <a:latin typeface="TH Sarabun New" panose="020B0500040200020003" pitchFamily="34" charset="-34"/>
-                <a:cs typeface="TH Sarabun New" panose="020B0500040200020003" pitchFamily="34" charset="-34"/>
-              </a:rPr>
-              <a:t>Value Types and Reference Types</a:t>
-            </a:r>
-          </a:p>
-        </p:txBody>
-      </p:sp>
-      <p:sp>
-        <p:nvSpPr>
-          <p:cNvPr id="3" name="Content Placeholder 2">
-            <a:extLst>
-              <a:ext uri="{FF2B5EF4-FFF2-40B4-BE49-F238E27FC236}">
-                <a16:creationId xmlns:a16="http://schemas.microsoft.com/office/drawing/2014/main" id="{4CBDA47E-42AB-4D8F-9B6D-B7803631D31C}"/>
-              </a:ext>
-            </a:extLst>
-          </p:cNvPr>
-          <p:cNvSpPr>
-            <a:spLocks noGrp="1"/>
-          </p:cNvSpPr>
-          <p:nvPr>
-            <p:ph idx="1"/>
-          </p:nvPr>
-        </p:nvSpPr>
-        <p:spPr/>
-        <p:txBody>
-          <a:bodyPr>
-            <a:normAutofit/>
-          </a:bodyPr>
-          <a:lstStyle/>
-          <a:p>
-            <a:pPr marL="542925" indent="-542925">
-              <a:buFont typeface="Courier New" panose="02070309020205020404" pitchFamily="49" charset="0"/>
-              <a:buChar char="o"/>
-            </a:pPr>
-            <a:r>
-              <a:rPr lang="th-TH" sz="3600" b="1" dirty="0">
-                <a:solidFill>
-                  <a:srgbClr val="0000FF"/>
-                </a:solidFill>
-                <a:latin typeface="TH Sarabun New" panose="020B0500040200020003" pitchFamily="34" charset="-34"/>
-                <a:cs typeface="TH Sarabun New" panose="020B0500040200020003" pitchFamily="34" charset="-34"/>
-              </a:rPr>
-              <a:t>ชนิดข้อมูลจะเป็นตัวกำหนดขนาดของหน่วยความจำที่ต้องการใช้จากระบบ</a:t>
-            </a:r>
-          </a:p>
-          <a:p>
-            <a:pPr marL="1000125" lvl="1" indent="-542925">
-              <a:buFont typeface="Courier New" panose="02070309020205020404" pitchFamily="49" charset="0"/>
-              <a:buChar char="o"/>
-            </a:pPr>
-            <a:r>
-              <a:rPr lang="th-TH" sz="3200" b="1" dirty="0">
-                <a:solidFill>
-                  <a:srgbClr val="9900CC"/>
-                </a:solidFill>
-                <a:latin typeface="TH Sarabun New" panose="020B0500040200020003" pitchFamily="34" charset="-34"/>
-                <a:cs typeface="TH Sarabun New" panose="020B0500040200020003" pitchFamily="34" charset="-34"/>
-              </a:rPr>
-              <a:t>ทำให้รู้ว่าต้องเก็บไว้ที่ไหน  (</a:t>
-            </a:r>
-            <a:r>
-              <a:rPr lang="en-US" sz="3200" b="1" dirty="0">
-                <a:solidFill>
-                  <a:srgbClr val="9900CC"/>
-                </a:solidFill>
-                <a:latin typeface="TH Sarabun New" panose="020B0500040200020003" pitchFamily="34" charset="-34"/>
-                <a:cs typeface="TH Sarabun New" panose="020B0500040200020003" pitchFamily="34" charset="-34"/>
-              </a:rPr>
-              <a:t>stack </a:t>
-            </a:r>
-            <a:r>
-              <a:rPr lang="th-TH" sz="3200" b="1" dirty="0">
-                <a:solidFill>
-                  <a:srgbClr val="9900CC"/>
-                </a:solidFill>
-                <a:latin typeface="TH Sarabun New" panose="020B0500040200020003" pitchFamily="34" charset="-34"/>
-                <a:cs typeface="TH Sarabun New" panose="020B0500040200020003" pitchFamily="34" charset="-34"/>
-              </a:rPr>
-              <a:t>หรือ </a:t>
-            </a:r>
-            <a:r>
-              <a:rPr lang="en-US" sz="3200" b="1" dirty="0">
-                <a:solidFill>
-                  <a:srgbClr val="9900CC"/>
-                </a:solidFill>
-                <a:latin typeface="TH Sarabun New" panose="020B0500040200020003" pitchFamily="34" charset="-34"/>
-                <a:cs typeface="TH Sarabun New" panose="020B0500040200020003" pitchFamily="34" charset="-34"/>
-              </a:rPr>
-              <a:t>heap)</a:t>
-            </a:r>
-          </a:p>
-          <a:p>
-            <a:pPr marL="542925" indent="-542925">
-              <a:buFont typeface="Courier New" panose="02070309020205020404" pitchFamily="49" charset="0"/>
-              <a:buChar char="o"/>
-            </a:pPr>
-            <a:r>
-              <a:rPr lang="th-TH" sz="3600" b="1" dirty="0">
-                <a:solidFill>
-                  <a:srgbClr val="0000FF"/>
-                </a:solidFill>
-                <a:latin typeface="TH Sarabun New" panose="020B0500040200020003" pitchFamily="34" charset="-34"/>
-                <a:cs typeface="TH Sarabun New" panose="020B0500040200020003" pitchFamily="34" charset="-34"/>
-              </a:rPr>
-              <a:t>เราสามารถแบ่งออกได้เป็น 2 ประเภท</a:t>
-            </a:r>
-          </a:p>
-          <a:p>
-            <a:pPr marL="1000125" lvl="1" indent="-542925">
-              <a:buFont typeface="Courier New" panose="02070309020205020404" pitchFamily="49" charset="0"/>
-              <a:buChar char="o"/>
-            </a:pPr>
-            <a:r>
-              <a:rPr lang="en-US" sz="3200" b="1" dirty="0">
-                <a:solidFill>
-                  <a:srgbClr val="9900CC"/>
-                </a:solidFill>
-                <a:latin typeface="TH Sarabun New" panose="020B0500040200020003" pitchFamily="34" charset="-34"/>
-                <a:cs typeface="TH Sarabun New" panose="020B0500040200020003" pitchFamily="34" charset="-34"/>
-              </a:rPr>
-              <a:t>Value type  </a:t>
-            </a:r>
-            <a:r>
-              <a:rPr lang="th-TH" sz="3200" b="1" dirty="0">
-                <a:solidFill>
-                  <a:srgbClr val="9900CC"/>
-                </a:solidFill>
-                <a:latin typeface="TH Sarabun New" panose="020B0500040200020003" pitchFamily="34" charset="-34"/>
-                <a:cs typeface="TH Sarabun New" panose="020B0500040200020003" pitchFamily="34" charset="-34"/>
-              </a:rPr>
-              <a:t>เปรียบเสมือนเหรียญกษาปณ์หรือธนบัตร ที่มีมูลค่าในตัว</a:t>
-            </a:r>
-          </a:p>
-          <a:p>
-            <a:pPr marL="1000125" lvl="1" indent="-542925">
-              <a:buFont typeface="Courier New" panose="02070309020205020404" pitchFamily="49" charset="0"/>
-              <a:buChar char="o"/>
-            </a:pPr>
-            <a:r>
-              <a:rPr lang="en-US" sz="3200" b="1" dirty="0">
-                <a:solidFill>
-                  <a:srgbClr val="9900CC"/>
-                </a:solidFill>
-                <a:latin typeface="TH Sarabun New" panose="020B0500040200020003" pitchFamily="34" charset="-34"/>
-                <a:cs typeface="TH Sarabun New" panose="020B0500040200020003" pitchFamily="34" charset="-34"/>
-              </a:rPr>
-              <a:t>Reference type</a:t>
-            </a:r>
-            <a:r>
-              <a:rPr lang="th-TH" sz="3200" b="1" dirty="0">
-                <a:solidFill>
-                  <a:srgbClr val="9900CC"/>
-                </a:solidFill>
-                <a:latin typeface="TH Sarabun New" panose="020B0500040200020003" pitchFamily="34" charset="-34"/>
-                <a:cs typeface="TH Sarabun New" panose="020B0500040200020003" pitchFamily="34" charset="-34"/>
-              </a:rPr>
-              <a:t> เปรียบเสมือนบัตรเอทีเอ็ม หรือโฉนดที่ดิน</a:t>
-            </a:r>
-          </a:p>
-          <a:p>
-            <a:pPr marL="457200" lvl="1" indent="0">
-              <a:buNone/>
-            </a:pPr>
-            <a:endParaRPr lang="en-US" sz="3200" dirty="0">
-              <a:latin typeface="TH Sarabun New" panose="020B0500040200020003" pitchFamily="34" charset="-34"/>
-              <a:cs typeface="TH Sarabun New" panose="020B0500040200020003" pitchFamily="34" charset="-34"/>
-            </a:endParaRPr>
-          </a:p>
-        </p:txBody>
-      </p:sp>
-      <p:sp>
-        <p:nvSpPr>
-          <p:cNvPr id="4" name="Slide Number Placeholder 3"/>
-          <p:cNvSpPr>
-            <a:spLocks noGrp="1"/>
-          </p:cNvSpPr>
-          <p:nvPr>
-            <p:ph type="sldNum" sz="quarter" idx="12"/>
-          </p:nvPr>
-        </p:nvSpPr>
-        <p:spPr/>
-        <p:txBody>
-          <a:bodyPr/>
-          <a:lstStyle/>
-          <a:p>
-            <a:fld id="{E84A5D4B-0D62-4D95-B282-2FD669FE1979}" type="slidenum">
-              <a:rPr lang="th-TH" sz="3600" smtClean="0">
-                <a:latin typeface="TH Baijam" pitchFamily="2" charset="-34"/>
-                <a:cs typeface="TH Baijam" pitchFamily="2" charset="-34"/>
-              </a:rPr>
-              <a:pPr/>
-              <a:t>20</a:t>
-            </a:fld>
-            <a:endParaRPr lang="th-TH" sz="3600" dirty="0">
-              <a:latin typeface="TH Baijam" pitchFamily="2" charset="-34"/>
-              <a:cs typeface="TH Baijam" pitchFamily="2" charset="-34"/>
-            </a:endParaRPr>
-          </a:p>
-        </p:txBody>
-      </p:sp>
-    </p:spTree>
-    <p:extLst>
-      <p:ext uri="{BB962C8B-B14F-4D97-AF65-F5344CB8AC3E}">
-        <p14:creationId xmlns:p14="http://schemas.microsoft.com/office/powerpoint/2010/main" val="2162647962"/>
-      </p:ext>
-    </p:extLst>
-  </p:cSld>
-  <p:clrMapOvr>
-    <a:masterClrMapping/>
-  </p:clrMapOvr>
-</p:sld>
-</file>
-
 <file path=ppt/slides/slide21.xml><?xml version="1.0" encoding="utf-8"?>
 <p:sld xmlns:a="http://schemas.openxmlformats.org/drawingml/2006/main" xmlns:r="http://schemas.openxmlformats.org/officeDocument/2006/relationships" xmlns:p="http://schemas.openxmlformats.org/presentationml/2006/main">
   <p:cSld>
@@ -9945,6 +10153,169 @@
       </p:sp>
       <p:sp>
         <p:nvSpPr>
+          <p:cNvPr id="3" name="Content Placeholder 2">
+            <a:extLst>
+              <a:ext uri="{FF2B5EF4-FFF2-40B4-BE49-F238E27FC236}">
+                <a16:creationId xmlns:a16="http://schemas.microsoft.com/office/drawing/2014/main" id="{4CBDA47E-42AB-4D8F-9B6D-B7803631D31C}"/>
+              </a:ext>
+            </a:extLst>
+          </p:cNvPr>
+          <p:cNvSpPr>
+            <a:spLocks noGrp="1"/>
+          </p:cNvSpPr>
+          <p:nvPr>
+            <p:ph idx="1"/>
+          </p:nvPr>
+        </p:nvSpPr>
+        <p:spPr/>
+        <p:txBody>
+          <a:bodyPr>
+            <a:normAutofit/>
+          </a:bodyPr>
+          <a:lstStyle/>
+          <a:p>
+            <a:pPr marL="542925" indent="-542925">
+              <a:buFont typeface="Courier New" panose="02070309020205020404" pitchFamily="49" charset="0"/>
+              <a:buChar char="o"/>
+            </a:pPr>
+            <a:r>
+              <a:rPr lang="th-TH" sz="3600" b="1" dirty="0">
+                <a:solidFill>
+                  <a:srgbClr val="0000FF"/>
+                </a:solidFill>
+                <a:latin typeface="TH Sarabun New" panose="020B0500040200020003" pitchFamily="34" charset="-34"/>
+                <a:cs typeface="TH Sarabun New" panose="020B0500040200020003" pitchFamily="34" charset="-34"/>
+              </a:rPr>
+              <a:t>ชนิดข้อมูลจะเป็นตัวกำหนดขนาดของหน่วยความจำที่ต้องการใช้จากระบบ</a:t>
+            </a:r>
+          </a:p>
+          <a:p>
+            <a:pPr marL="1000125" lvl="1" indent="-542925">
+              <a:buFont typeface="Courier New" panose="02070309020205020404" pitchFamily="49" charset="0"/>
+              <a:buChar char="o"/>
+            </a:pPr>
+            <a:r>
+              <a:rPr lang="th-TH" sz="3200" b="1" dirty="0">
+                <a:solidFill>
+                  <a:srgbClr val="9900CC"/>
+                </a:solidFill>
+                <a:latin typeface="TH Sarabun New" panose="020B0500040200020003" pitchFamily="34" charset="-34"/>
+                <a:cs typeface="TH Sarabun New" panose="020B0500040200020003" pitchFamily="34" charset="-34"/>
+              </a:rPr>
+              <a:t>ทำให้รู้ว่าต้องเก็บไว้ที่ไหน  (</a:t>
+            </a:r>
+            <a:r>
+              <a:rPr lang="en-US" sz="3200" b="1" dirty="0">
+                <a:solidFill>
+                  <a:srgbClr val="9900CC"/>
+                </a:solidFill>
+                <a:latin typeface="TH Sarabun New" panose="020B0500040200020003" pitchFamily="34" charset="-34"/>
+                <a:cs typeface="TH Sarabun New" panose="020B0500040200020003" pitchFamily="34" charset="-34"/>
+              </a:rPr>
+              <a:t>stack </a:t>
+            </a:r>
+            <a:r>
+              <a:rPr lang="th-TH" sz="3200" b="1" dirty="0">
+                <a:solidFill>
+                  <a:srgbClr val="9900CC"/>
+                </a:solidFill>
+                <a:latin typeface="TH Sarabun New" panose="020B0500040200020003" pitchFamily="34" charset="-34"/>
+                <a:cs typeface="TH Sarabun New" panose="020B0500040200020003" pitchFamily="34" charset="-34"/>
+              </a:rPr>
+              <a:t>หรือ </a:t>
+            </a:r>
+            <a:r>
+              <a:rPr lang="en-US" sz="3200" b="1" dirty="0">
+                <a:solidFill>
+                  <a:srgbClr val="9900CC"/>
+                </a:solidFill>
+                <a:latin typeface="TH Sarabun New" panose="020B0500040200020003" pitchFamily="34" charset="-34"/>
+                <a:cs typeface="TH Sarabun New" panose="020B0500040200020003" pitchFamily="34" charset="-34"/>
+              </a:rPr>
+              <a:t>heap)</a:t>
+            </a:r>
+          </a:p>
+          <a:p>
+            <a:pPr marL="542925" indent="-542925">
+              <a:buFont typeface="Courier New" panose="02070309020205020404" pitchFamily="49" charset="0"/>
+              <a:buChar char="o"/>
+            </a:pPr>
+            <a:r>
+              <a:rPr lang="th-TH" sz="3600" b="1" dirty="0">
+                <a:solidFill>
+                  <a:srgbClr val="0000FF"/>
+                </a:solidFill>
+                <a:latin typeface="TH Sarabun New" panose="020B0500040200020003" pitchFamily="34" charset="-34"/>
+                <a:cs typeface="TH Sarabun New" panose="020B0500040200020003" pitchFamily="34" charset="-34"/>
+              </a:rPr>
+              <a:t>เราสามารถแบ่งออกได้เป็น 2 ประเภท</a:t>
+            </a:r>
+          </a:p>
+          <a:p>
+            <a:pPr marL="1000125" lvl="1" indent="-542925">
+              <a:buFont typeface="Courier New" panose="02070309020205020404" pitchFamily="49" charset="0"/>
+              <a:buChar char="o"/>
+            </a:pPr>
+            <a:r>
+              <a:rPr lang="en-US" sz="3200" b="1" dirty="0">
+                <a:solidFill>
+                  <a:srgbClr val="9900CC"/>
+                </a:solidFill>
+                <a:latin typeface="TH Sarabun New" panose="020B0500040200020003" pitchFamily="34" charset="-34"/>
+                <a:cs typeface="TH Sarabun New" panose="020B0500040200020003" pitchFamily="34" charset="-34"/>
+              </a:rPr>
+              <a:t>Value type  </a:t>
+            </a:r>
+            <a:r>
+              <a:rPr lang="th-TH" sz="3200" b="1" dirty="0">
+                <a:solidFill>
+                  <a:srgbClr val="9900CC"/>
+                </a:solidFill>
+                <a:latin typeface="TH Sarabun New" panose="020B0500040200020003" pitchFamily="34" charset="-34"/>
+                <a:cs typeface="TH Sarabun New" panose="020B0500040200020003" pitchFamily="34" charset="-34"/>
+              </a:rPr>
+              <a:t>เปรียบเสมือนเหรียญกษาปณ์หรือธนบัตร ที่มีมูลค่าในตัว</a:t>
+            </a:r>
+          </a:p>
+          <a:p>
+            <a:pPr marL="1000125" lvl="1" indent="-542925">
+              <a:buFont typeface="Courier New" panose="02070309020205020404" pitchFamily="49" charset="0"/>
+              <a:buChar char="o"/>
+            </a:pPr>
+            <a:r>
+              <a:rPr lang="en-US" sz="3200" b="1" dirty="0">
+                <a:solidFill>
+                  <a:srgbClr val="9900CC"/>
+                </a:solidFill>
+                <a:latin typeface="TH Sarabun New" panose="020B0500040200020003" pitchFamily="34" charset="-34"/>
+                <a:cs typeface="TH Sarabun New" panose="020B0500040200020003" pitchFamily="34" charset="-34"/>
+              </a:rPr>
+              <a:t>Reference type</a:t>
+            </a:r>
+            <a:r>
+              <a:rPr lang="th-TH" sz="3200" b="1" dirty="0">
+                <a:solidFill>
+                  <a:srgbClr val="9900CC"/>
+                </a:solidFill>
+                <a:latin typeface="TH Sarabun New" panose="020B0500040200020003" pitchFamily="34" charset="-34"/>
+                <a:cs typeface="TH Sarabun New" panose="020B0500040200020003" pitchFamily="34" charset="-34"/>
+              </a:rPr>
+              <a:t> เปรียบเสมือนบัตรเอทีเอ็ม หรือโฉนดที่ดิน</a:t>
+            </a:r>
+          </a:p>
+          <a:p>
+            <a:pPr marL="457200" lvl="1" indent="0">
+              <a:buNone/>
+            </a:pPr>
+            <a:endParaRPr lang="en-US" sz="3200" dirty="0">
+              <a:latin typeface="TH Sarabun New" panose="020B0500040200020003" pitchFamily="34" charset="-34"/>
+              <a:cs typeface="TH Sarabun New" panose="020B0500040200020003" pitchFamily="34" charset="-34"/>
+            </a:endParaRPr>
+          </a:p>
+        </p:txBody>
+      </p:sp>
+      <p:sp>
+        <p:nvSpPr>
           <p:cNvPr id="4" name="Slide Number Placeholder 3"/>
           <p:cNvSpPr>
             <a:spLocks noGrp="1"/>
@@ -9965,6 +10336,104 @@
               </a:rPr>
               <a:pPr/>
               <a:t>21</a:t>
+            </a:fld>
+            <a:endParaRPr lang="th-TH" sz="3600" dirty="0">
+              <a:latin typeface="TH Baijam" pitchFamily="2" charset="-34"/>
+              <a:cs typeface="TH Baijam" pitchFamily="2" charset="-34"/>
+            </a:endParaRPr>
+          </a:p>
+        </p:txBody>
+      </p:sp>
+    </p:spTree>
+    <p:extLst>
+      <p:ext uri="{BB962C8B-B14F-4D97-AF65-F5344CB8AC3E}">
+        <p14:creationId xmlns:p14="http://schemas.microsoft.com/office/powerpoint/2010/main" val="2162647962"/>
+      </p:ext>
+    </p:extLst>
+  </p:cSld>
+  <p:clrMapOvr>
+    <a:masterClrMapping/>
+  </p:clrMapOvr>
+</p:sld>
+</file>
+
+<file path=ppt/slides/slide22.xml><?xml version="1.0" encoding="utf-8"?>
+<p:sld xmlns:a="http://schemas.openxmlformats.org/drawingml/2006/main" xmlns:r="http://schemas.openxmlformats.org/officeDocument/2006/relationships" xmlns:p="http://schemas.openxmlformats.org/presentationml/2006/main">
+  <p:cSld>
+    <p:spTree>
+      <p:nvGrpSpPr>
+        <p:cNvPr id="1" name=""/>
+        <p:cNvGrpSpPr/>
+        <p:nvPr/>
+      </p:nvGrpSpPr>
+      <p:grpSpPr>
+        <a:xfrm>
+          <a:off x="0" y="0"/>
+          <a:ext cx="0" cy="0"/>
+          <a:chOff x="0" y="0"/>
+          <a:chExt cx="0" cy="0"/>
+        </a:xfrm>
+      </p:grpSpPr>
+      <p:sp>
+        <p:nvSpPr>
+          <p:cNvPr id="2" name="Title 1"/>
+          <p:cNvSpPr>
+            <a:spLocks noGrp="1"/>
+          </p:cNvSpPr>
+          <p:nvPr>
+            <p:ph type="title"/>
+          </p:nvPr>
+        </p:nvSpPr>
+        <p:spPr/>
+        <p:txBody>
+          <a:bodyPr/>
+          <a:lstStyle/>
+          <a:p>
+            <a:pPr>
+              <a:defRPr/>
+            </a:pPr>
+            <a:r>
+              <a:rPr lang="en-US" sz="6000" b="1" dirty="0">
+                <a:solidFill>
+                  <a:srgbClr val="0070C0"/>
+                </a:solidFill>
+                <a:effectLst>
+                  <a:outerShdw blurRad="38100" dist="38100" dir="2700000" algn="tl">
+                    <a:srgbClr val="000000">
+                      <a:alpha val="43137"/>
+                    </a:srgbClr>
+                  </a:outerShdw>
+                </a:effectLst>
+                <a:latin typeface="TH Sarabun New" panose="020B0500040200020003" pitchFamily="34" charset="-34"/>
+                <a:cs typeface="TH Sarabun New" panose="020B0500040200020003" pitchFamily="34" charset="-34"/>
+              </a:rPr>
+              <a:t>Value Types and Reference Types</a:t>
+            </a:r>
+          </a:p>
+        </p:txBody>
+      </p:sp>
+      <p:sp>
+        <p:nvSpPr>
+          <p:cNvPr id="4" name="Slide Number Placeholder 3"/>
+          <p:cNvSpPr>
+            <a:spLocks noGrp="1"/>
+          </p:cNvSpPr>
+          <p:nvPr>
+            <p:ph type="sldNum" sz="quarter" idx="12"/>
+          </p:nvPr>
+        </p:nvSpPr>
+        <p:spPr/>
+        <p:txBody>
+          <a:bodyPr/>
+          <a:lstStyle/>
+          <a:p>
+            <a:fld id="{E84A5D4B-0D62-4D95-B282-2FD669FE1979}" type="slidenum">
+              <a:rPr lang="th-TH" sz="3600" smtClean="0">
+                <a:latin typeface="TH Baijam" pitchFamily="2" charset="-34"/>
+                <a:cs typeface="TH Baijam" pitchFamily="2" charset="-34"/>
+              </a:rPr>
+              <a:pPr/>
+              <a:t>22</a:t>
             </a:fld>
             <a:endParaRPr lang="th-TH" sz="3600" dirty="0">
               <a:latin typeface="TH Baijam" pitchFamily="2" charset="-34"/>
@@ -10022,7 +10491,7 @@
 </p:sld>
 </file>
 
-<file path=ppt/slides/slide22.xml><?xml version="1.0" encoding="utf-8"?>
+<file path=ppt/slides/slide23.xml><?xml version="1.0" encoding="utf-8"?>
 <p:sld xmlns:a="http://schemas.openxmlformats.org/drawingml/2006/main" xmlns:r="http://schemas.openxmlformats.org/officeDocument/2006/relationships" xmlns:p="http://schemas.openxmlformats.org/presentationml/2006/main">
   <p:cSld>
     <p:spTree>
@@ -10271,7 +10740,7 @@
                 <a:cs typeface="TH Baijam" pitchFamily="2" charset="-34"/>
               </a:rPr>
               <a:pPr/>
-              <a:t>22</a:t>
+              <a:t>23</a:t>
             </a:fld>
             <a:endParaRPr lang="th-TH" sz="3600" dirty="0">
               <a:latin typeface="TH Baijam" pitchFamily="2" charset="-34"/>
@@ -10329,7 +10798,7 @@
 </p:sld>
 </file>
 
-<file path=ppt/slides/slide23.xml><?xml version="1.0" encoding="utf-8"?>
+<file path=ppt/slides/slide24.xml><?xml version="1.0" encoding="utf-8"?>
 <p:sld xmlns:a="http://schemas.openxmlformats.org/drawingml/2006/main" xmlns:r="http://schemas.openxmlformats.org/officeDocument/2006/relationships" xmlns:p="http://schemas.openxmlformats.org/presentationml/2006/main">
   <p:cSld>
     <p:spTree>
@@ -10439,7 +10908,7 @@
                 <a:cs typeface="TH Baijam" pitchFamily="2" charset="-34"/>
               </a:rPr>
               <a:pPr/>
-              <a:t>23</a:t>
+              <a:t>24</a:t>
             </a:fld>
             <a:endParaRPr lang="th-TH" sz="3600" dirty="0">
               <a:latin typeface="TH Baijam" pitchFamily="2" charset="-34"/>
@@ -10599,6 +11068,42 @@
           </a:p>
         </p:txBody>
       </p:sp>
+      <p:cxnSp>
+        <p:nvCxnSpPr>
+          <p:cNvPr id="5" name="ตัวเชื่อมต่อตรง 4">
+            <a:extLst>
+              <a:ext uri="{FF2B5EF4-FFF2-40B4-BE49-F238E27FC236}">
+                <a16:creationId xmlns:a16="http://schemas.microsoft.com/office/drawing/2014/main" id="{8C835ED5-A3EF-3DA7-6AE8-64D123F13586}"/>
+              </a:ext>
+            </a:extLst>
+          </p:cNvPr>
+          <p:cNvCxnSpPr/>
+          <p:nvPr/>
+        </p:nvCxnSpPr>
+        <p:spPr>
+          <a:xfrm>
+            <a:off x="8102851" y="2082297"/>
+            <a:ext cx="0" cy="3318378"/>
+          </a:xfrm>
+          <a:prstGeom prst="line">
+            <a:avLst/>
+          </a:prstGeom>
+        </p:spPr>
+        <p:style>
+          <a:lnRef idx="1">
+            <a:schemeClr val="accent1"/>
+          </a:lnRef>
+          <a:fillRef idx="0">
+            <a:schemeClr val="accent1"/>
+          </a:fillRef>
+          <a:effectRef idx="0">
+            <a:schemeClr val="accent1"/>
+          </a:effectRef>
+          <a:fontRef idx="minor">
+            <a:schemeClr val="tx1"/>
+          </a:fontRef>
+        </p:style>
+      </p:cxnSp>
     </p:spTree>
     <p:extLst>
       <p:ext uri="{BB962C8B-B14F-4D97-AF65-F5344CB8AC3E}">
@@ -16832,6 +17337,17 @@
 </file>
 
 <file path=customXml/item2.xml><?xml version="1.0" encoding="utf-8"?>
+<p:properties xmlns:p="http://schemas.microsoft.com/office/2006/metadata/properties" xmlns:xsi="http://www.w3.org/2001/XMLSchema-instance" xmlns:pc="http://schemas.microsoft.com/office/infopath/2007/PartnerControls">
+  <documentManagement>
+    <TaxCatchAll xmlns="7cc98989-72c3-446c-ae77-edbe8b0d3d4f" xsi:nil="true"/>
+    <lcf76f155ced4ddcb4097134ff3c332f xmlns="f6931950-b3bd-48d0-869a-0ff6947ee6b8">
+      <Terms xmlns="http://schemas.microsoft.com/office/infopath/2007/PartnerControls"/>
+    </lcf76f155ced4ddcb4097134ff3c332f>
+  </documentManagement>
+</p:properties>
+</file>
+
+<file path=customXml/item3.xml><?xml version="1.0" encoding="utf-8"?>
 <ct:contentTypeSchema xmlns:ct="http://schemas.microsoft.com/office/2006/metadata/contentType" xmlns:ma="http://schemas.microsoft.com/office/2006/metadata/properties/metaAttributes" ct:_="" ma:_="" ma:contentTypeName="เอกสาร" ma:contentTypeID="0x0101005AC05097884E7346B95458D1EAE16B12" ma:contentTypeVersion="9" ma:contentTypeDescription="สร้างเอกสารใหม่" ma:contentTypeScope="" ma:versionID="d64fab832d49d74fb6f0e3c64de77782">
   <xsd:schema xmlns:xsd="http://www.w3.org/2001/XMLSchema" xmlns:xs="http://www.w3.org/2001/XMLSchema" xmlns:p="http://schemas.microsoft.com/office/2006/metadata/properties" xmlns:ns2="f6931950-b3bd-48d0-869a-0ff6947ee6b8" xmlns:ns3="7cc98989-72c3-446c-ae77-edbe8b0d3d4f" targetNamespace="http://schemas.microsoft.com/office/2006/metadata/properties" ma:root="true" ma:fieldsID="1a63274d5e7b86fe18201268e6e7cdd4" ns2:_="" ns3:_="">
     <xsd:import namespace="f6931950-b3bd-48d0-869a-0ff6947ee6b8"/>
@@ -17008,17 +17524,6 @@
 </ct:contentTypeSchema>
 </file>
 
-<file path=customXml/item3.xml><?xml version="1.0" encoding="utf-8"?>
-<p:properties xmlns:p="http://schemas.microsoft.com/office/2006/metadata/properties" xmlns:xsi="http://www.w3.org/2001/XMLSchema-instance" xmlns:pc="http://schemas.microsoft.com/office/infopath/2007/PartnerControls">
-  <documentManagement>
-    <TaxCatchAll xmlns="7cc98989-72c3-446c-ae77-edbe8b0d3d4f" xsi:nil="true"/>
-    <lcf76f155ced4ddcb4097134ff3c332f xmlns="f6931950-b3bd-48d0-869a-0ff6947ee6b8">
-      <Terms xmlns="http://schemas.microsoft.com/office/infopath/2007/PartnerControls"/>
-    </lcf76f155ced4ddcb4097134ff3c332f>
-  </documentManagement>
-</p:properties>
-</file>
-
 <file path=customXml/itemProps1.xml><?xml version="1.0" encoding="utf-8"?>
 <ds:datastoreItem xmlns:ds="http://schemas.openxmlformats.org/officeDocument/2006/customXml" ds:itemID="{278F3731-4B60-4B27-B726-3EC878154004}">
   <ds:schemaRefs>
@@ -17028,6 +17533,23 @@
 </file>
 
 <file path=customXml/itemProps2.xml><?xml version="1.0" encoding="utf-8"?>
+<ds:datastoreItem xmlns:ds="http://schemas.openxmlformats.org/officeDocument/2006/customXml" ds:itemID="{9302BA6C-D1F6-41F5-99CB-A57FEDC915A3}">
+  <ds:schemaRefs>
+    <ds:schemaRef ds:uri="http://www.w3.org/XML/1998/namespace"/>
+    <ds:schemaRef ds:uri="http://purl.org/dc/elements/1.1/"/>
+    <ds:schemaRef ds:uri="http://schemas.microsoft.com/office/infopath/2007/PartnerControls"/>
+    <ds:schemaRef ds:uri="http://purl.org/dc/dcmitype/"/>
+    <ds:schemaRef ds:uri="http://schemas.microsoft.com/office/2006/documentManagement/types"/>
+    <ds:schemaRef ds:uri="f6931950-b3bd-48d0-869a-0ff6947ee6b8"/>
+    <ds:schemaRef ds:uri="http://schemas.openxmlformats.org/package/2006/metadata/core-properties"/>
+    <ds:schemaRef ds:uri="http://schemas.microsoft.com/office/2006/metadata/properties"/>
+    <ds:schemaRef ds:uri="http://purl.org/dc/terms/"/>
+    <ds:schemaRef ds:uri="7cc98989-72c3-446c-ae77-edbe8b0d3d4f"/>
+  </ds:schemaRefs>
+</ds:datastoreItem>
+</file>
+
+<file path=customXml/itemProps3.xml><?xml version="1.0" encoding="utf-8"?>
 <ds:datastoreItem xmlns:ds="http://schemas.openxmlformats.org/officeDocument/2006/customXml" ds:itemID="{BFCDC7A2-A143-4746-A991-0FD846A53825}">
   <ds:schemaRefs>
     <ds:schemaRef ds:uri="http://schemas.microsoft.com/office/2006/metadata/contentType"/>
@@ -17044,21 +17566,4 @@
     <ds:schemaRef ds:uri="http://schemas.microsoft.com/internal/obd"/>
   </ds:schemaRefs>
 </ds:datastoreItem>
-</file>
-
-<file path=customXml/itemProps3.xml><?xml version="1.0" encoding="utf-8"?>
-<ds:datastoreItem xmlns:ds="http://schemas.openxmlformats.org/officeDocument/2006/customXml" ds:itemID="{9302BA6C-D1F6-41F5-99CB-A57FEDC915A3}">
-  <ds:schemaRefs>
-    <ds:schemaRef ds:uri="http://www.w3.org/XML/1998/namespace"/>
-    <ds:schemaRef ds:uri="http://purl.org/dc/elements/1.1/"/>
-    <ds:schemaRef ds:uri="http://schemas.microsoft.com/office/infopath/2007/PartnerControls"/>
-    <ds:schemaRef ds:uri="http://purl.org/dc/dcmitype/"/>
-    <ds:schemaRef ds:uri="http://schemas.microsoft.com/office/2006/documentManagement/types"/>
-    <ds:schemaRef ds:uri="f6931950-b3bd-48d0-869a-0ff6947ee6b8"/>
-    <ds:schemaRef ds:uri="http://schemas.openxmlformats.org/package/2006/metadata/core-properties"/>
-    <ds:schemaRef ds:uri="http://schemas.microsoft.com/office/2006/metadata/properties"/>
-    <ds:schemaRef ds:uri="http://purl.org/dc/terms/"/>
-    <ds:schemaRef ds:uri="7cc98989-72c3-446c-ae77-edbe8b0d3d4f"/>
-  </ds:schemaRefs>
-</ds:datastoreItem>
 </file>
--- a/Slides/หน่วยที่ 5 Types.pptx
+++ b/Slides/หน่วยที่ 5 Types.pptx
@@ -11104,6 +11104,47 @@
           </a:fontRef>
         </p:style>
       </p:cxnSp>
+      <p:sp>
+        <p:nvSpPr>
+          <p:cNvPr id="6" name="กล่องข้อความ 5">
+            <a:extLst>
+              <a:ext uri="{FF2B5EF4-FFF2-40B4-BE49-F238E27FC236}">
+                <a16:creationId xmlns:a16="http://schemas.microsoft.com/office/drawing/2014/main" id="{DF3879A5-B8D5-0901-BB11-0A02F401A4B2}"/>
+              </a:ext>
+            </a:extLst>
+          </p:cNvPr>
+          <p:cNvSpPr txBox="1"/>
+          <p:nvPr/>
+        </p:nvSpPr>
+        <p:spPr>
+          <a:xfrm>
+            <a:off x="1319842" y="5719362"/>
+            <a:ext cx="9954883" cy="646331"/>
+          </a:xfrm>
+          <a:prstGeom prst="rect">
+            <a:avLst/>
+          </a:prstGeom>
+          <a:noFill/>
+        </p:spPr>
+        <p:txBody>
+          <a:bodyPr wrap="square">
+            <a:spAutoFit/>
+          </a:bodyPr>
+          <a:lstStyle/>
+          <a:p>
+            <a:r>
+              <a:rPr lang="th-TH" dirty="0">
+                <a:hlinkClick r:id="rId3"/>
+              </a:rPr>
+              <a:t>https://learn.microsoft.com/en-us/dotnet/csharp/language-reference/language-specification/types</a:t>
+            </a:r>
+            <a:endParaRPr lang="en-US" dirty="0"/>
+          </a:p>
+          <a:p>
+            <a:endParaRPr lang="th-TH" dirty="0"/>
+          </a:p>
+        </p:txBody>
+      </p:sp>
     </p:spTree>
     <p:extLst>
       <p:ext uri="{BB962C8B-B14F-4D97-AF65-F5344CB8AC3E}">
@@ -17337,17 +17378,6 @@
 </file>
 
 <file path=customXml/item2.xml><?xml version="1.0" encoding="utf-8"?>
-<p:properties xmlns:p="http://schemas.microsoft.com/office/2006/metadata/properties" xmlns:xsi="http://www.w3.org/2001/XMLSchema-instance" xmlns:pc="http://schemas.microsoft.com/office/infopath/2007/PartnerControls">
-  <documentManagement>
-    <TaxCatchAll xmlns="7cc98989-72c3-446c-ae77-edbe8b0d3d4f" xsi:nil="true"/>
-    <lcf76f155ced4ddcb4097134ff3c332f xmlns="f6931950-b3bd-48d0-869a-0ff6947ee6b8">
-      <Terms xmlns="http://schemas.microsoft.com/office/infopath/2007/PartnerControls"/>
-    </lcf76f155ced4ddcb4097134ff3c332f>
-  </documentManagement>
-</p:properties>
-</file>
-
-<file path=customXml/item3.xml><?xml version="1.0" encoding="utf-8"?>
 <ct:contentTypeSchema xmlns:ct="http://schemas.microsoft.com/office/2006/metadata/contentType" xmlns:ma="http://schemas.microsoft.com/office/2006/metadata/properties/metaAttributes" ct:_="" ma:_="" ma:contentTypeName="เอกสาร" ma:contentTypeID="0x0101005AC05097884E7346B95458D1EAE16B12" ma:contentTypeVersion="9" ma:contentTypeDescription="สร้างเอกสารใหม่" ma:contentTypeScope="" ma:versionID="d64fab832d49d74fb6f0e3c64de77782">
   <xsd:schema xmlns:xsd="http://www.w3.org/2001/XMLSchema" xmlns:xs="http://www.w3.org/2001/XMLSchema" xmlns:p="http://schemas.microsoft.com/office/2006/metadata/properties" xmlns:ns2="f6931950-b3bd-48d0-869a-0ff6947ee6b8" xmlns:ns3="7cc98989-72c3-446c-ae77-edbe8b0d3d4f" targetNamespace="http://schemas.microsoft.com/office/2006/metadata/properties" ma:root="true" ma:fieldsID="1a63274d5e7b86fe18201268e6e7cdd4" ns2:_="" ns3:_="">
     <xsd:import namespace="f6931950-b3bd-48d0-869a-0ff6947ee6b8"/>
@@ -17524,6 +17554,17 @@
 </ct:contentTypeSchema>
 </file>
 
+<file path=customXml/item3.xml><?xml version="1.0" encoding="utf-8"?>
+<p:properties xmlns:p="http://schemas.microsoft.com/office/2006/metadata/properties" xmlns:xsi="http://www.w3.org/2001/XMLSchema-instance" xmlns:pc="http://schemas.microsoft.com/office/infopath/2007/PartnerControls">
+  <documentManagement>
+    <TaxCatchAll xmlns="7cc98989-72c3-446c-ae77-edbe8b0d3d4f" xsi:nil="true"/>
+    <lcf76f155ced4ddcb4097134ff3c332f xmlns="f6931950-b3bd-48d0-869a-0ff6947ee6b8">
+      <Terms xmlns="http://schemas.microsoft.com/office/infopath/2007/PartnerControls"/>
+    </lcf76f155ced4ddcb4097134ff3c332f>
+  </documentManagement>
+</p:properties>
+</file>
+
 <file path=customXml/itemProps1.xml><?xml version="1.0" encoding="utf-8"?>
 <ds:datastoreItem xmlns:ds="http://schemas.openxmlformats.org/officeDocument/2006/customXml" ds:itemID="{278F3731-4B60-4B27-B726-3EC878154004}">
   <ds:schemaRefs>
@@ -17533,23 +17574,6 @@
 </file>
 
 <file path=customXml/itemProps2.xml><?xml version="1.0" encoding="utf-8"?>
-<ds:datastoreItem xmlns:ds="http://schemas.openxmlformats.org/officeDocument/2006/customXml" ds:itemID="{9302BA6C-D1F6-41F5-99CB-A57FEDC915A3}">
-  <ds:schemaRefs>
-    <ds:schemaRef ds:uri="http://www.w3.org/XML/1998/namespace"/>
-    <ds:schemaRef ds:uri="http://purl.org/dc/elements/1.1/"/>
-    <ds:schemaRef ds:uri="http://schemas.microsoft.com/office/infopath/2007/PartnerControls"/>
-    <ds:schemaRef ds:uri="http://purl.org/dc/dcmitype/"/>
-    <ds:schemaRef ds:uri="http://schemas.microsoft.com/office/2006/documentManagement/types"/>
-    <ds:schemaRef ds:uri="f6931950-b3bd-48d0-869a-0ff6947ee6b8"/>
-    <ds:schemaRef ds:uri="http://schemas.openxmlformats.org/package/2006/metadata/core-properties"/>
-    <ds:schemaRef ds:uri="http://schemas.microsoft.com/office/2006/metadata/properties"/>
-    <ds:schemaRef ds:uri="http://purl.org/dc/terms/"/>
-    <ds:schemaRef ds:uri="7cc98989-72c3-446c-ae77-edbe8b0d3d4f"/>
-  </ds:schemaRefs>
-</ds:datastoreItem>
-</file>
-
-<file path=customXml/itemProps3.xml><?xml version="1.0" encoding="utf-8"?>
 <ds:datastoreItem xmlns:ds="http://schemas.openxmlformats.org/officeDocument/2006/customXml" ds:itemID="{BFCDC7A2-A143-4746-A991-0FD846A53825}">
   <ds:schemaRefs>
     <ds:schemaRef ds:uri="http://schemas.microsoft.com/office/2006/metadata/contentType"/>
@@ -17566,4 +17590,21 @@
     <ds:schemaRef ds:uri="http://schemas.microsoft.com/internal/obd"/>
   </ds:schemaRefs>
 </ds:datastoreItem>
+</file>
+
+<file path=customXml/itemProps3.xml><?xml version="1.0" encoding="utf-8"?>
+<ds:datastoreItem xmlns:ds="http://schemas.openxmlformats.org/officeDocument/2006/customXml" ds:itemID="{9302BA6C-D1F6-41F5-99CB-A57FEDC915A3}">
+  <ds:schemaRefs>
+    <ds:schemaRef ds:uri="http://www.w3.org/XML/1998/namespace"/>
+    <ds:schemaRef ds:uri="http://purl.org/dc/elements/1.1/"/>
+    <ds:schemaRef ds:uri="http://schemas.microsoft.com/office/infopath/2007/PartnerControls"/>
+    <ds:schemaRef ds:uri="http://purl.org/dc/dcmitype/"/>
+    <ds:schemaRef ds:uri="http://schemas.microsoft.com/office/2006/documentManagement/types"/>
+    <ds:schemaRef ds:uri="f6931950-b3bd-48d0-869a-0ff6947ee6b8"/>
+    <ds:schemaRef ds:uri="http://schemas.openxmlformats.org/package/2006/metadata/core-properties"/>
+    <ds:schemaRef ds:uri="http://schemas.microsoft.com/office/2006/metadata/properties"/>
+    <ds:schemaRef ds:uri="http://purl.org/dc/terms/"/>
+    <ds:schemaRef ds:uri="7cc98989-72c3-446c-ae77-edbe8b0d3d4f"/>
+  </ds:schemaRefs>
+</ds:datastoreItem>
 </file>